--- a/bomberman.pptx
+++ b/bomberman.pptx
@@ -11,16 +11,20 @@
     <p:sldId id="259" r:id="rId5"/>
     <p:sldId id="263" r:id="rId6"/>
     <p:sldId id="260" r:id="rId7"/>
-    <p:sldId id="261" r:id="rId8"/>
-    <p:sldId id="267" r:id="rId9"/>
-    <p:sldId id="268" r:id="rId10"/>
-    <p:sldId id="269" r:id="rId11"/>
-    <p:sldId id="270" r:id="rId12"/>
-    <p:sldId id="271" r:id="rId13"/>
-    <p:sldId id="262" r:id="rId14"/>
-    <p:sldId id="264" r:id="rId15"/>
-    <p:sldId id="265" r:id="rId16"/>
-    <p:sldId id="266" r:id="rId17"/>
+    <p:sldId id="267" r:id="rId8"/>
+    <p:sldId id="268" r:id="rId9"/>
+    <p:sldId id="269" r:id="rId10"/>
+    <p:sldId id="274" r:id="rId11"/>
+    <p:sldId id="261" r:id="rId12"/>
+    <p:sldId id="270" r:id="rId13"/>
+    <p:sldId id="271" r:id="rId14"/>
+    <p:sldId id="275" r:id="rId15"/>
+    <p:sldId id="262" r:id="rId16"/>
+    <p:sldId id="273" r:id="rId17"/>
+    <p:sldId id="264" r:id="rId18"/>
+    <p:sldId id="265" r:id="rId19"/>
+    <p:sldId id="266" r:id="rId20"/>
+    <p:sldId id="272" r:id="rId21"/>
   </p:sldIdLst>
   <p:sldSz cx="9144000" cy="6858000" type="screen4x3"/>
   <p:notesSz cx="6858000" cy="9144000"/>
@@ -119,6 +123,22 @@
       </a:defRPr>
     </a:lvl9pPr>
   </p:defaultTextStyle>
+  <p:extLst>
+    <p:ext uri="{EFAFB233-063F-42B5-8137-9DF3F51BA10A}">
+      <p15:sldGuideLst xmlns:p15="http://schemas.microsoft.com/office/powerpoint/2012/main">
+        <p15:guide id="1" orient="horz" pos="2160">
+          <p15:clr>
+            <a:srgbClr val="A4A3A4"/>
+          </p15:clr>
+        </p15:guide>
+        <p15:guide id="2" pos="2880">
+          <p15:clr>
+            <a:srgbClr val="A4A3A4"/>
+          </p15:clr>
+        </p15:guide>
+      </p15:sldGuideLst>
+    </p:ext>
+  </p:extLst>
 </p:presentation>
 </file>
 
@@ -214,9 +234,7 @@
         </p:style>
         <p:txBody>
           <a:bodyPr anchor="ctr"/>
-          <a:lstStyle>
-            <a:extLst/>
-          </a:lstStyle>
+          <a:lstStyle/>
           <a:p>
             <a:pPr algn="ctr" eaLnBrk="1" latinLnBrk="0" hangingPunct="1"/>
             <a:endParaRPr kumimoji="0" lang="en-US"/>
@@ -286,9 +304,7 @@
         </p:style>
         <p:txBody>
           <a:bodyPr anchor="ctr"/>
-          <a:lstStyle>
-            <a:extLst/>
-          </a:lstStyle>
+          <a:lstStyle/>
           <a:p>
             <a:pPr algn="ctr" eaLnBrk="1" latinLnBrk="0" hangingPunct="1"/>
             <a:endParaRPr kumimoji="0" lang="en-US"/>
@@ -335,10 +351,9 @@
           </a:lstStyle>
           <a:p>
             <a:r>
-              <a:rPr kumimoji="0" lang="en-US" smtClean="0"/>
+              <a:rPr kumimoji="0" lang="en-US"/>
               <a:t>Click to edit Master title style</a:t>
             </a:r>
-            <a:endParaRPr kumimoji="0" lang="en-US"/>
           </a:p>
         </p:txBody>
       </p:sp>
@@ -402,10 +417,9 @@
           </a:lstStyle>
           <a:p>
             <a:r>
-              <a:rPr kumimoji="0" lang="en-US" smtClean="0"/>
+              <a:rPr kumimoji="0" lang="en-US"/>
               <a:t>Click to edit Master subtitle style</a:t>
             </a:r>
-            <a:endParaRPr kumimoji="0" lang="en-US"/>
           </a:p>
         </p:txBody>
       </p:sp>
@@ -422,9 +436,7 @@
         <p:spPr/>
         <p:txBody>
           <a:bodyPr/>
-          <a:lstStyle>
-            <a:extLst/>
-          </a:lstStyle>
+          <a:lstStyle/>
           <a:p>
             <a:fld id="{1EA2B3D4-2C4D-464A-BE5F-AA32045F2FD8}" type="datetimeFigureOut">
               <a:rPr lang="en-US" smtClean="0"/>
@@ -448,9 +460,7 @@
         <p:spPr/>
         <p:txBody>
           <a:bodyPr/>
-          <a:lstStyle>
-            <a:extLst/>
-          </a:lstStyle>
+          <a:lstStyle/>
           <a:p>
             <a:endParaRPr lang="en-US"/>
           </a:p>
@@ -469,9 +479,7 @@
         <p:spPr/>
         <p:txBody>
           <a:bodyPr/>
-          <a:lstStyle>
-            <a:extLst/>
-          </a:lstStyle>
+          <a:lstStyle/>
           <a:p>
             <a:fld id="{740A1FB7-A7E8-4A63-9601-F5991291E319}" type="slidenum">
               <a:rPr lang="en-US" smtClean="0"/>
@@ -525,15 +533,12 @@
         </p:spPr>
         <p:txBody>
           <a:bodyPr/>
-          <a:lstStyle>
-            <a:extLst/>
-          </a:lstStyle>
-          <a:p>
-            <a:r>
-              <a:rPr kumimoji="0" lang="en-US" smtClean="0"/>
+          <a:lstStyle/>
+          <a:p>
+            <a:r>
+              <a:rPr kumimoji="0" lang="en-US"/>
               <a:t>Click to edit Master title style</a:t>
             </a:r>
-            <a:endParaRPr kumimoji="0" lang="en-US"/>
           </a:p>
         </p:txBody>
       </p:sp>
@@ -555,41 +560,39 @@
         </p:spPr>
         <p:txBody>
           <a:bodyPr vert="eaVert"/>
-          <a:lstStyle>
-            <a:extLst/>
-          </a:lstStyle>
+          <a:lstStyle/>
           <a:p>
             <a:pPr lvl="0" eaLnBrk="1" latinLnBrk="0" hangingPunct="1"/>
             <a:r>
-              <a:rPr lang="en-US" smtClean="0"/>
+              <a:rPr lang="en-US"/>
               <a:t>Click to edit Master text styles</a:t>
             </a:r>
           </a:p>
           <a:p>
             <a:pPr lvl="1" eaLnBrk="1" latinLnBrk="0" hangingPunct="1"/>
             <a:r>
-              <a:rPr lang="en-US" smtClean="0"/>
+              <a:rPr lang="en-US"/>
               <a:t>Second level</a:t>
             </a:r>
           </a:p>
           <a:p>
             <a:pPr lvl="2" eaLnBrk="1" latinLnBrk="0" hangingPunct="1"/>
             <a:r>
-              <a:rPr lang="en-US" smtClean="0"/>
+              <a:rPr lang="en-US"/>
               <a:t>Third level</a:t>
             </a:r>
           </a:p>
           <a:p>
             <a:pPr lvl="3" eaLnBrk="1" latinLnBrk="0" hangingPunct="1"/>
             <a:r>
-              <a:rPr lang="en-US" smtClean="0"/>
+              <a:rPr lang="en-US"/>
               <a:t>Fourth level</a:t>
             </a:r>
           </a:p>
           <a:p>
             <a:pPr lvl="4" eaLnBrk="1" latinLnBrk="0" hangingPunct="1"/>
             <a:r>
-              <a:rPr lang="en-US" smtClean="0"/>
+              <a:rPr lang="en-US"/>
               <a:t>Fifth level</a:t>
             </a:r>
             <a:endParaRPr kumimoji="0" lang="en-US"/>
@@ -609,9 +612,7 @@
         <p:spPr/>
         <p:txBody>
           <a:bodyPr/>
-          <a:lstStyle>
-            <a:extLst/>
-          </a:lstStyle>
+          <a:lstStyle/>
           <a:p>
             <a:fld id="{1EA2B3D4-2C4D-464A-BE5F-AA32045F2FD8}" type="datetimeFigureOut">
               <a:rPr lang="en-US" smtClean="0"/>
@@ -635,9 +636,7 @@
         <p:spPr/>
         <p:txBody>
           <a:bodyPr/>
-          <a:lstStyle>
-            <a:extLst/>
-          </a:lstStyle>
+          <a:lstStyle/>
           <a:p>
             <a:endParaRPr lang="en-US"/>
           </a:p>
@@ -656,9 +655,7 @@
         <p:spPr/>
         <p:txBody>
           <a:bodyPr/>
-          <a:lstStyle>
-            <a:extLst/>
-          </a:lstStyle>
+          <a:lstStyle/>
           <a:p>
             <a:fld id="{740A1FB7-A7E8-4A63-9601-F5991291E319}" type="slidenum">
               <a:rPr lang="en-US" smtClean="0"/>
@@ -712,15 +709,12 @@
         </p:spPr>
         <p:txBody>
           <a:bodyPr vert="eaVert"/>
-          <a:lstStyle>
-            <a:extLst/>
-          </a:lstStyle>
-          <a:p>
-            <a:r>
-              <a:rPr kumimoji="0" lang="en-US" smtClean="0"/>
+          <a:lstStyle/>
+          <a:p>
+            <a:r>
+              <a:rPr kumimoji="0" lang="en-US"/>
               <a:t>Click to edit Master title style</a:t>
             </a:r>
-            <a:endParaRPr kumimoji="0" lang="en-US"/>
           </a:p>
         </p:txBody>
       </p:sp>
@@ -742,41 +736,39 @@
         </p:spPr>
         <p:txBody>
           <a:bodyPr vert="eaVert"/>
-          <a:lstStyle>
-            <a:extLst/>
-          </a:lstStyle>
+          <a:lstStyle/>
           <a:p>
             <a:pPr lvl="0" eaLnBrk="1" latinLnBrk="0" hangingPunct="1"/>
             <a:r>
-              <a:rPr lang="en-US" smtClean="0"/>
+              <a:rPr lang="en-US"/>
               <a:t>Click to edit Master text styles</a:t>
             </a:r>
           </a:p>
           <a:p>
             <a:pPr lvl="1" eaLnBrk="1" latinLnBrk="0" hangingPunct="1"/>
             <a:r>
-              <a:rPr lang="en-US" smtClean="0"/>
+              <a:rPr lang="en-US"/>
               <a:t>Second level</a:t>
             </a:r>
           </a:p>
           <a:p>
             <a:pPr lvl="2" eaLnBrk="1" latinLnBrk="0" hangingPunct="1"/>
             <a:r>
-              <a:rPr lang="en-US" smtClean="0"/>
+              <a:rPr lang="en-US"/>
               <a:t>Third level</a:t>
             </a:r>
           </a:p>
           <a:p>
             <a:pPr lvl="3" eaLnBrk="1" latinLnBrk="0" hangingPunct="1"/>
             <a:r>
-              <a:rPr lang="en-US" smtClean="0"/>
+              <a:rPr lang="en-US"/>
               <a:t>Fourth level</a:t>
             </a:r>
           </a:p>
           <a:p>
             <a:pPr lvl="4" eaLnBrk="1" latinLnBrk="0" hangingPunct="1"/>
             <a:r>
-              <a:rPr lang="en-US" smtClean="0"/>
+              <a:rPr lang="en-US"/>
               <a:t>Fifth level</a:t>
             </a:r>
             <a:endParaRPr kumimoji="0" lang="en-US"/>
@@ -796,9 +788,7 @@
         <p:spPr/>
         <p:txBody>
           <a:bodyPr/>
-          <a:lstStyle>
-            <a:extLst/>
-          </a:lstStyle>
+          <a:lstStyle/>
           <a:p>
             <a:fld id="{1EA2B3D4-2C4D-464A-BE5F-AA32045F2FD8}" type="datetimeFigureOut">
               <a:rPr lang="en-US" smtClean="0"/>
@@ -822,9 +812,7 @@
         <p:spPr/>
         <p:txBody>
           <a:bodyPr/>
-          <a:lstStyle>
-            <a:extLst/>
-          </a:lstStyle>
+          <a:lstStyle/>
           <a:p>
             <a:endParaRPr lang="en-US"/>
           </a:p>
@@ -843,9 +831,7 @@
         <p:spPr/>
         <p:txBody>
           <a:bodyPr/>
-          <a:lstStyle>
-            <a:extLst/>
-          </a:lstStyle>
+          <a:lstStyle/>
           <a:p>
             <a:fld id="{740A1FB7-A7E8-4A63-9601-F5991291E319}" type="slidenum">
               <a:rPr lang="en-US" smtClean="0"/>
@@ -899,15 +885,12 @@
         </p:spPr>
         <p:txBody>
           <a:bodyPr/>
-          <a:lstStyle>
-            <a:extLst/>
-          </a:lstStyle>
-          <a:p>
-            <a:r>
-              <a:rPr kumimoji="0" lang="en-US" smtClean="0"/>
+          <a:lstStyle/>
+          <a:p>
+            <a:r>
+              <a:rPr kumimoji="0" lang="en-US"/>
               <a:t>Click to edit Master title style</a:t>
             </a:r>
-            <a:endParaRPr kumimoji="0" lang="en-US"/>
           </a:p>
         </p:txBody>
       </p:sp>
@@ -929,41 +912,39 @@
         </p:spPr>
         <p:txBody>
           <a:bodyPr/>
-          <a:lstStyle>
-            <a:extLst/>
-          </a:lstStyle>
+          <a:lstStyle/>
           <a:p>
             <a:pPr lvl="0" eaLnBrk="1" latinLnBrk="0" hangingPunct="1"/>
             <a:r>
-              <a:rPr lang="en-US" smtClean="0"/>
+              <a:rPr lang="en-US"/>
               <a:t>Click to edit Master text styles</a:t>
             </a:r>
           </a:p>
           <a:p>
             <a:pPr lvl="1" eaLnBrk="1" latinLnBrk="0" hangingPunct="1"/>
             <a:r>
-              <a:rPr lang="en-US" smtClean="0"/>
+              <a:rPr lang="en-US"/>
               <a:t>Second level</a:t>
             </a:r>
           </a:p>
           <a:p>
             <a:pPr lvl="2" eaLnBrk="1" latinLnBrk="0" hangingPunct="1"/>
             <a:r>
-              <a:rPr lang="en-US" smtClean="0"/>
+              <a:rPr lang="en-US"/>
               <a:t>Third level</a:t>
             </a:r>
           </a:p>
           <a:p>
             <a:pPr lvl="3" eaLnBrk="1" latinLnBrk="0" hangingPunct="1"/>
             <a:r>
-              <a:rPr lang="en-US" smtClean="0"/>
+              <a:rPr lang="en-US"/>
               <a:t>Fourth level</a:t>
             </a:r>
           </a:p>
           <a:p>
             <a:pPr lvl="4" eaLnBrk="1" latinLnBrk="0" hangingPunct="1"/>
             <a:r>
-              <a:rPr lang="en-US" smtClean="0"/>
+              <a:rPr lang="en-US"/>
               <a:t>Fifth level</a:t>
             </a:r>
             <a:endParaRPr kumimoji="0" lang="en-US"/>
@@ -983,9 +964,7 @@
         <p:spPr/>
         <p:txBody>
           <a:bodyPr/>
-          <a:lstStyle>
-            <a:extLst/>
-          </a:lstStyle>
+          <a:lstStyle/>
           <a:p>
             <a:fld id="{1EA2B3D4-2C4D-464A-BE5F-AA32045F2FD8}" type="datetimeFigureOut">
               <a:rPr lang="en-US" smtClean="0"/>
@@ -1009,9 +988,7 @@
         <p:spPr/>
         <p:txBody>
           <a:bodyPr/>
-          <a:lstStyle>
-            <a:extLst/>
-          </a:lstStyle>
+          <a:lstStyle/>
           <a:p>
             <a:endParaRPr lang="en-US"/>
           </a:p>
@@ -1030,9 +1007,7 @@
         <p:spPr/>
         <p:txBody>
           <a:bodyPr/>
-          <a:lstStyle>
-            <a:extLst/>
-          </a:lstStyle>
+          <a:lstStyle/>
           <a:p>
             <a:fld id="{740A1FB7-A7E8-4A63-9601-F5991291E319}" type="slidenum">
               <a:rPr lang="en-US" smtClean="0"/>
@@ -1143,9 +1118,7 @@
         </p:style>
         <p:txBody>
           <a:bodyPr anchor="ctr"/>
-          <a:lstStyle>
-            <a:extLst/>
-          </a:lstStyle>
+          <a:lstStyle/>
           <a:p>
             <a:pPr algn="ctr" eaLnBrk="1" latinLnBrk="0" hangingPunct="1"/>
             <a:endParaRPr kumimoji="0" lang="en-US"/>
@@ -1215,9 +1188,7 @@
         </p:style>
         <p:txBody>
           <a:bodyPr anchor="ctr"/>
-          <a:lstStyle>
-            <a:extLst/>
-          </a:lstStyle>
+          <a:lstStyle/>
           <a:p>
             <a:pPr algn="ctr" eaLnBrk="1" latinLnBrk="0" hangingPunct="1"/>
             <a:endParaRPr kumimoji="0" lang="en-US"/>
@@ -1258,10 +1229,9 @@
           </a:lstStyle>
           <a:p>
             <a:r>
-              <a:rPr kumimoji="0" lang="en-US" smtClean="0"/>
+              <a:rPr kumimoji="0" lang="en-US"/>
               <a:t>Click to edit Master title style</a:t>
             </a:r>
-            <a:endParaRPr kumimoji="0" lang="en-US"/>
           </a:p>
         </p:txBody>
       </p:sp>
@@ -1347,7 +1317,7 @@
           <a:p>
             <a:pPr lvl="0" eaLnBrk="1" latinLnBrk="0" hangingPunct="1"/>
             <a:r>
-              <a:rPr kumimoji="0" lang="en-US" smtClean="0"/>
+              <a:rPr kumimoji="0" lang="en-US"/>
               <a:t>Click to edit Master text styles</a:t>
             </a:r>
           </a:p>
@@ -1366,9 +1336,7 @@
         <p:spPr/>
         <p:txBody>
           <a:bodyPr/>
-          <a:lstStyle>
-            <a:extLst/>
-          </a:lstStyle>
+          <a:lstStyle/>
           <a:p>
             <a:fld id="{1EA2B3D4-2C4D-464A-BE5F-AA32045F2FD8}" type="datetimeFigureOut">
               <a:rPr lang="en-US" smtClean="0"/>
@@ -1392,9 +1360,7 @@
         <p:spPr/>
         <p:txBody>
           <a:bodyPr/>
-          <a:lstStyle>
-            <a:extLst/>
-          </a:lstStyle>
+          <a:lstStyle/>
           <a:p>
             <a:endParaRPr lang="en-US"/>
           </a:p>
@@ -1413,9 +1379,7 @@
         <p:spPr/>
         <p:txBody>
           <a:bodyPr/>
-          <a:lstStyle>
-            <a:extLst/>
-          </a:lstStyle>
+          <a:lstStyle/>
           <a:p>
             <a:fld id="{740A1FB7-A7E8-4A63-9601-F5991291E319}" type="slidenum">
               <a:rPr lang="en-US" smtClean="0"/>
@@ -1464,15 +1428,12 @@
         <p:spPr/>
         <p:txBody>
           <a:bodyPr/>
-          <a:lstStyle>
-            <a:extLst/>
-          </a:lstStyle>
-          <a:p>
-            <a:r>
-              <a:rPr kumimoji="0" lang="en-US" smtClean="0"/>
+          <a:lstStyle/>
+          <a:p>
+            <a:r>
+              <a:rPr kumimoji="0" lang="en-US"/>
               <a:t>Click to edit Master title style</a:t>
             </a:r>
-            <a:endParaRPr kumimoji="0" lang="en-US"/>
           </a:p>
         </p:txBody>
       </p:sp>
@@ -1515,35 +1476,35 @@
           <a:p>
             <a:pPr lvl="0" eaLnBrk="1" latinLnBrk="0" hangingPunct="1"/>
             <a:r>
-              <a:rPr lang="en-US" smtClean="0"/>
+              <a:rPr lang="en-US"/>
               <a:t>Click to edit Master text styles</a:t>
             </a:r>
           </a:p>
           <a:p>
             <a:pPr lvl="1" eaLnBrk="1" latinLnBrk="0" hangingPunct="1"/>
             <a:r>
-              <a:rPr lang="en-US" smtClean="0"/>
+              <a:rPr lang="en-US"/>
               <a:t>Second level</a:t>
             </a:r>
           </a:p>
           <a:p>
             <a:pPr lvl="2" eaLnBrk="1" latinLnBrk="0" hangingPunct="1"/>
             <a:r>
-              <a:rPr lang="en-US" smtClean="0"/>
+              <a:rPr lang="en-US"/>
               <a:t>Third level</a:t>
             </a:r>
           </a:p>
           <a:p>
             <a:pPr lvl="3" eaLnBrk="1" latinLnBrk="0" hangingPunct="1"/>
             <a:r>
-              <a:rPr lang="en-US" smtClean="0"/>
+              <a:rPr lang="en-US"/>
               <a:t>Fourth level</a:t>
             </a:r>
           </a:p>
           <a:p>
             <a:pPr lvl="4" eaLnBrk="1" latinLnBrk="0" hangingPunct="1"/>
             <a:r>
-              <a:rPr lang="en-US" smtClean="0"/>
+              <a:rPr lang="en-US"/>
               <a:t>Fifth level</a:t>
             </a:r>
             <a:endParaRPr kumimoji="0" lang="en-US"/>
@@ -1589,35 +1550,35 @@
           <a:p>
             <a:pPr lvl="0" eaLnBrk="1" latinLnBrk="0" hangingPunct="1"/>
             <a:r>
-              <a:rPr lang="en-US" smtClean="0"/>
+              <a:rPr lang="en-US"/>
               <a:t>Click to edit Master text styles</a:t>
             </a:r>
           </a:p>
           <a:p>
             <a:pPr lvl="1" eaLnBrk="1" latinLnBrk="0" hangingPunct="1"/>
             <a:r>
-              <a:rPr lang="en-US" smtClean="0"/>
+              <a:rPr lang="en-US"/>
               <a:t>Second level</a:t>
             </a:r>
           </a:p>
           <a:p>
             <a:pPr lvl="2" eaLnBrk="1" latinLnBrk="0" hangingPunct="1"/>
             <a:r>
-              <a:rPr lang="en-US" smtClean="0"/>
+              <a:rPr lang="en-US"/>
               <a:t>Third level</a:t>
             </a:r>
           </a:p>
           <a:p>
             <a:pPr lvl="3" eaLnBrk="1" latinLnBrk="0" hangingPunct="1"/>
             <a:r>
-              <a:rPr lang="en-US" smtClean="0"/>
+              <a:rPr lang="en-US"/>
               <a:t>Fourth level</a:t>
             </a:r>
           </a:p>
           <a:p>
             <a:pPr lvl="4" eaLnBrk="1" latinLnBrk="0" hangingPunct="1"/>
             <a:r>
-              <a:rPr lang="en-US" smtClean="0"/>
+              <a:rPr lang="en-US"/>
               <a:t>Fifth level</a:t>
             </a:r>
             <a:endParaRPr kumimoji="0" lang="en-US"/>
@@ -1637,9 +1598,7 @@
         <p:spPr/>
         <p:txBody>
           <a:bodyPr/>
-          <a:lstStyle>
-            <a:extLst/>
-          </a:lstStyle>
+          <a:lstStyle/>
           <a:p>
             <a:fld id="{1EA2B3D4-2C4D-464A-BE5F-AA32045F2FD8}" type="datetimeFigureOut">
               <a:rPr lang="en-US" smtClean="0"/>
@@ -1663,9 +1622,7 @@
         <p:spPr/>
         <p:txBody>
           <a:bodyPr/>
-          <a:lstStyle>
-            <a:extLst/>
-          </a:lstStyle>
+          <a:lstStyle/>
           <a:p>
             <a:endParaRPr lang="en-US"/>
           </a:p>
@@ -1684,9 +1641,7 @@
         <p:spPr/>
         <p:txBody>
           <a:bodyPr/>
-          <a:lstStyle>
-            <a:extLst/>
-          </a:lstStyle>
+          <a:lstStyle/>
           <a:p>
             <a:fld id="{740A1FB7-A7E8-4A63-9601-F5991291E319}" type="slidenum">
               <a:rPr lang="en-US" smtClean="0"/>
@@ -1748,10 +1703,9 @@
           </a:lstStyle>
           <a:p>
             <a:r>
-              <a:rPr kumimoji="0" lang="en-US" smtClean="0"/>
+              <a:rPr kumimoji="0" lang="en-US"/>
               <a:t>Click to edit Master title style</a:t>
             </a:r>
-            <a:endParaRPr kumimoji="0" lang="en-US"/>
           </a:p>
         </p:txBody>
       </p:sp>
@@ -1803,7 +1757,7 @@
           <a:p>
             <a:pPr lvl="0" eaLnBrk="1" latinLnBrk="0" hangingPunct="1"/>
             <a:r>
-              <a:rPr kumimoji="0" lang="en-US" smtClean="0"/>
+              <a:rPr kumimoji="0" lang="en-US"/>
               <a:t>Click to edit Master text styles</a:t>
             </a:r>
           </a:p>
@@ -1857,7 +1811,7 @@
           <a:p>
             <a:pPr lvl="0" eaLnBrk="1" latinLnBrk="0" hangingPunct="1"/>
             <a:r>
-              <a:rPr kumimoji="0" lang="en-US" smtClean="0"/>
+              <a:rPr kumimoji="0" lang="en-US"/>
               <a:t>Click to edit Master text styles</a:t>
             </a:r>
           </a:p>
@@ -1902,35 +1856,35 @@
           <a:p>
             <a:pPr lvl="0" eaLnBrk="1" latinLnBrk="0" hangingPunct="1"/>
             <a:r>
-              <a:rPr lang="en-US" smtClean="0"/>
+              <a:rPr lang="en-US"/>
               <a:t>Click to edit Master text styles</a:t>
             </a:r>
           </a:p>
           <a:p>
             <a:pPr lvl="1" eaLnBrk="1" latinLnBrk="0" hangingPunct="1"/>
             <a:r>
-              <a:rPr lang="en-US" smtClean="0"/>
+              <a:rPr lang="en-US"/>
               <a:t>Second level</a:t>
             </a:r>
           </a:p>
           <a:p>
             <a:pPr lvl="2" eaLnBrk="1" latinLnBrk="0" hangingPunct="1"/>
             <a:r>
-              <a:rPr lang="en-US" smtClean="0"/>
+              <a:rPr lang="en-US"/>
               <a:t>Third level</a:t>
             </a:r>
           </a:p>
           <a:p>
             <a:pPr lvl="3" eaLnBrk="1" latinLnBrk="0" hangingPunct="1"/>
             <a:r>
-              <a:rPr lang="en-US" smtClean="0"/>
+              <a:rPr lang="en-US"/>
               <a:t>Fourth level</a:t>
             </a:r>
           </a:p>
           <a:p>
             <a:pPr lvl="4" eaLnBrk="1" latinLnBrk="0" hangingPunct="1"/>
             <a:r>
-              <a:rPr lang="en-US" smtClean="0"/>
+              <a:rPr lang="en-US"/>
               <a:t>Fifth level</a:t>
             </a:r>
             <a:endParaRPr kumimoji="0" lang="en-US"/>
@@ -1976,35 +1930,35 @@
           <a:p>
             <a:pPr lvl="0" eaLnBrk="1" latinLnBrk="0" hangingPunct="1"/>
             <a:r>
-              <a:rPr lang="en-US" smtClean="0"/>
+              <a:rPr lang="en-US"/>
               <a:t>Click to edit Master text styles</a:t>
             </a:r>
           </a:p>
           <a:p>
             <a:pPr lvl="1" eaLnBrk="1" latinLnBrk="0" hangingPunct="1"/>
             <a:r>
-              <a:rPr lang="en-US" smtClean="0"/>
+              <a:rPr lang="en-US"/>
               <a:t>Second level</a:t>
             </a:r>
           </a:p>
           <a:p>
             <a:pPr lvl="2" eaLnBrk="1" latinLnBrk="0" hangingPunct="1"/>
             <a:r>
-              <a:rPr lang="en-US" smtClean="0"/>
+              <a:rPr lang="en-US"/>
               <a:t>Third level</a:t>
             </a:r>
           </a:p>
           <a:p>
             <a:pPr lvl="3" eaLnBrk="1" latinLnBrk="0" hangingPunct="1"/>
             <a:r>
-              <a:rPr lang="en-US" smtClean="0"/>
+              <a:rPr lang="en-US"/>
               <a:t>Fourth level</a:t>
             </a:r>
           </a:p>
           <a:p>
             <a:pPr lvl="4" eaLnBrk="1" latinLnBrk="0" hangingPunct="1"/>
             <a:r>
-              <a:rPr lang="en-US" smtClean="0"/>
+              <a:rPr lang="en-US"/>
               <a:t>Fifth level</a:t>
             </a:r>
             <a:endParaRPr kumimoji="0" lang="en-US"/>
@@ -2024,9 +1978,7 @@
         <p:spPr/>
         <p:txBody>
           <a:bodyPr/>
-          <a:lstStyle>
-            <a:extLst/>
-          </a:lstStyle>
+          <a:lstStyle/>
           <a:p>
             <a:fld id="{1EA2B3D4-2C4D-464A-BE5F-AA32045F2FD8}" type="datetimeFigureOut">
               <a:rPr lang="en-US" smtClean="0"/>
@@ -2050,9 +2002,7 @@
         <p:spPr/>
         <p:txBody>
           <a:bodyPr/>
-          <a:lstStyle>
-            <a:extLst/>
-          </a:lstStyle>
+          <a:lstStyle/>
           <a:p>
             <a:endParaRPr lang="en-US"/>
           </a:p>
@@ -2071,9 +2021,7 @@
         <p:spPr/>
         <p:txBody>
           <a:bodyPr/>
-          <a:lstStyle>
-            <a:extLst/>
-          </a:lstStyle>
+          <a:lstStyle/>
           <a:p>
             <a:fld id="{740A1FB7-A7E8-4A63-9601-F5991291E319}" type="slidenum">
               <a:rPr lang="en-US" smtClean="0"/>
@@ -2122,15 +2070,12 @@
         <p:spPr/>
         <p:txBody>
           <a:bodyPr/>
-          <a:lstStyle>
-            <a:extLst/>
-          </a:lstStyle>
-          <a:p>
-            <a:r>
-              <a:rPr kumimoji="0" lang="en-US" smtClean="0"/>
+          <a:lstStyle/>
+          <a:p>
+            <a:r>
+              <a:rPr kumimoji="0" lang="en-US"/>
               <a:t>Click to edit Master title style</a:t>
             </a:r>
-            <a:endParaRPr kumimoji="0" lang="en-US"/>
           </a:p>
         </p:txBody>
       </p:sp>
@@ -2147,9 +2092,7 @@
         <p:spPr/>
         <p:txBody>
           <a:bodyPr/>
-          <a:lstStyle>
-            <a:extLst/>
-          </a:lstStyle>
+          <a:lstStyle/>
           <a:p>
             <a:fld id="{1EA2B3D4-2C4D-464A-BE5F-AA32045F2FD8}" type="datetimeFigureOut">
               <a:rPr lang="en-US" smtClean="0"/>
@@ -2173,9 +2116,7 @@
         <p:spPr/>
         <p:txBody>
           <a:bodyPr/>
-          <a:lstStyle>
-            <a:extLst/>
-          </a:lstStyle>
+          <a:lstStyle/>
           <a:p>
             <a:endParaRPr lang="en-US"/>
           </a:p>
@@ -2194,9 +2135,7 @@
         <p:spPr/>
         <p:txBody>
           <a:bodyPr/>
-          <a:lstStyle>
-            <a:extLst/>
-          </a:lstStyle>
+          <a:lstStyle/>
           <a:p>
             <a:fld id="{740A1FB7-A7E8-4A63-9601-F5991291E319}" type="slidenum">
               <a:rPr lang="en-US" smtClean="0"/>
@@ -2307,9 +2246,7 @@
         </p:style>
         <p:txBody>
           <a:bodyPr anchor="ctr"/>
-          <a:lstStyle>
-            <a:extLst/>
-          </a:lstStyle>
+          <a:lstStyle/>
           <a:p>
             <a:pPr algn="ctr" eaLnBrk="1" latinLnBrk="0" hangingPunct="1"/>
             <a:endParaRPr kumimoji="0" lang="en-US"/>
@@ -2329,9 +2266,7 @@
         <p:spPr/>
         <p:txBody>
           <a:bodyPr/>
-          <a:lstStyle>
-            <a:extLst/>
-          </a:lstStyle>
+          <a:lstStyle/>
           <a:p>
             <a:fld id="{1EA2B3D4-2C4D-464A-BE5F-AA32045F2FD8}" type="datetimeFigureOut">
               <a:rPr lang="en-US" smtClean="0"/>
@@ -2355,9 +2290,7 @@
         <p:spPr/>
         <p:txBody>
           <a:bodyPr/>
-          <a:lstStyle>
-            <a:extLst/>
-          </a:lstStyle>
+          <a:lstStyle/>
           <a:p>
             <a:endParaRPr lang="en-US"/>
           </a:p>
@@ -2376,9 +2309,7 @@
         <p:spPr/>
         <p:txBody>
           <a:bodyPr/>
-          <a:lstStyle>
-            <a:extLst/>
-          </a:lstStyle>
+          <a:lstStyle/>
           <a:p>
             <a:fld id="{740A1FB7-A7E8-4A63-9601-F5991291E319}" type="slidenum">
               <a:rPr lang="en-US" smtClean="0"/>
@@ -2445,10 +2376,9 @@
           </a:lstStyle>
           <a:p>
             <a:r>
-              <a:rPr kumimoji="0" lang="en-US" smtClean="0"/>
+              <a:rPr kumimoji="0" lang="en-US"/>
               <a:t>Click to edit Master title style</a:t>
             </a:r>
-            <a:endParaRPr kumimoji="0" lang="en-US"/>
           </a:p>
         </p:txBody>
       </p:sp>
@@ -2519,35 +2449,35 @@
           <a:p>
             <a:pPr lvl="0" eaLnBrk="1" latinLnBrk="0" hangingPunct="1"/>
             <a:r>
-              <a:rPr lang="en-US" smtClean="0"/>
+              <a:rPr lang="en-US"/>
               <a:t>Click to edit Master text styles</a:t>
             </a:r>
           </a:p>
           <a:p>
             <a:pPr lvl="1" eaLnBrk="1" latinLnBrk="0" hangingPunct="1"/>
             <a:r>
-              <a:rPr lang="en-US" smtClean="0"/>
+              <a:rPr lang="en-US"/>
               <a:t>Second level</a:t>
             </a:r>
           </a:p>
           <a:p>
             <a:pPr lvl="2" eaLnBrk="1" latinLnBrk="0" hangingPunct="1"/>
             <a:r>
-              <a:rPr lang="en-US" smtClean="0"/>
+              <a:rPr lang="en-US"/>
               <a:t>Third level</a:t>
             </a:r>
           </a:p>
           <a:p>
             <a:pPr lvl="3" eaLnBrk="1" latinLnBrk="0" hangingPunct="1"/>
             <a:r>
-              <a:rPr lang="en-US" smtClean="0"/>
+              <a:rPr lang="en-US"/>
               <a:t>Fourth level</a:t>
             </a:r>
           </a:p>
           <a:p>
             <a:pPr lvl="4" eaLnBrk="1" latinLnBrk="0" hangingPunct="1"/>
             <a:r>
-              <a:rPr lang="en-US" smtClean="0"/>
+              <a:rPr lang="en-US"/>
               <a:t>Fifth level</a:t>
             </a:r>
             <a:endParaRPr kumimoji="0" lang="en-US"/>
@@ -2617,35 +2547,35 @@
           <a:p>
             <a:pPr lvl="0" eaLnBrk="1" latinLnBrk="0" hangingPunct="1"/>
             <a:r>
-              <a:rPr lang="en-US" smtClean="0"/>
+              <a:rPr lang="en-US"/>
               <a:t>Click to edit Master text styles</a:t>
             </a:r>
           </a:p>
           <a:p>
             <a:pPr lvl="1" eaLnBrk="1" latinLnBrk="0" hangingPunct="1"/>
             <a:r>
-              <a:rPr lang="en-US" smtClean="0"/>
+              <a:rPr lang="en-US"/>
               <a:t>Second level</a:t>
             </a:r>
           </a:p>
           <a:p>
             <a:pPr lvl="2" eaLnBrk="1" latinLnBrk="0" hangingPunct="1"/>
             <a:r>
-              <a:rPr lang="en-US" smtClean="0"/>
+              <a:rPr lang="en-US"/>
               <a:t>Third level</a:t>
             </a:r>
           </a:p>
           <a:p>
             <a:pPr lvl="3" eaLnBrk="1" latinLnBrk="0" hangingPunct="1"/>
             <a:r>
-              <a:rPr lang="en-US" smtClean="0"/>
+              <a:rPr lang="en-US"/>
               <a:t>Fourth level</a:t>
             </a:r>
           </a:p>
           <a:p>
             <a:pPr lvl="4" eaLnBrk="1" latinLnBrk="0" hangingPunct="1"/>
             <a:r>
-              <a:rPr lang="en-US" smtClean="0"/>
+              <a:rPr lang="en-US"/>
               <a:t>Fifth level</a:t>
             </a:r>
             <a:endParaRPr kumimoji="0" lang="en-US"/>
@@ -2665,9 +2595,7 @@
         <p:spPr/>
         <p:txBody>
           <a:bodyPr/>
-          <a:lstStyle>
-            <a:extLst/>
-          </a:lstStyle>
+          <a:lstStyle/>
           <a:p>
             <a:fld id="{1EA2B3D4-2C4D-464A-BE5F-AA32045F2FD8}" type="datetimeFigureOut">
               <a:rPr lang="en-US" smtClean="0"/>
@@ -2691,9 +2619,7 @@
         <p:spPr/>
         <p:txBody>
           <a:bodyPr/>
-          <a:lstStyle>
-            <a:extLst/>
-          </a:lstStyle>
+          <a:lstStyle/>
           <a:p>
             <a:endParaRPr lang="en-US"/>
           </a:p>
@@ -2712,9 +2638,7 @@
         <p:spPr/>
         <p:txBody>
           <a:bodyPr/>
-          <a:lstStyle>
-            <a:extLst/>
-          </a:lstStyle>
+          <a:lstStyle/>
           <a:p>
             <a:fld id="{740A1FB7-A7E8-4A63-9601-F5991291E319}" type="slidenum">
               <a:rPr lang="en-US" smtClean="0"/>
@@ -2825,9 +2749,7 @@
         </p:style>
         <p:txBody>
           <a:bodyPr anchor="ctr"/>
-          <a:lstStyle>
-            <a:extLst/>
-          </a:lstStyle>
+          <a:lstStyle/>
           <a:p>
             <a:pPr algn="ctr" eaLnBrk="1" latinLnBrk="0" hangingPunct="1"/>
             <a:endParaRPr kumimoji="0" lang="en-US"/>
@@ -2875,9 +2797,7 @@
         </p:style>
         <p:txBody>
           <a:bodyPr anchor="ctr"/>
-          <a:lstStyle>
-            <a:extLst/>
-          </a:lstStyle>
+          <a:lstStyle/>
           <a:p>
             <a:pPr algn="ctr" eaLnBrk="1" latinLnBrk="0" hangingPunct="1"/>
             <a:endParaRPr kumimoji="0" lang="en-US"/>
@@ -2918,10 +2838,9 @@
           </a:lstStyle>
           <a:p>
             <a:r>
-              <a:rPr kumimoji="0" lang="en-US" smtClean="0"/>
+              <a:rPr kumimoji="0" lang="en-US"/>
               <a:t>Click to edit Master title style</a:t>
             </a:r>
-            <a:endParaRPr kumimoji="0" lang="en-US"/>
           </a:p>
         </p:txBody>
       </p:sp>
@@ -2988,35 +2907,35 @@
           <a:p>
             <a:pPr lvl="0" eaLnBrk="1" latinLnBrk="0" hangingPunct="1"/>
             <a:r>
-              <a:rPr lang="en-US" smtClean="0"/>
+              <a:rPr lang="en-US"/>
               <a:t>Click to edit Master text styles</a:t>
             </a:r>
           </a:p>
           <a:p>
             <a:pPr lvl="1" eaLnBrk="1" latinLnBrk="0" hangingPunct="1"/>
             <a:r>
-              <a:rPr lang="en-US" smtClean="0"/>
+              <a:rPr lang="en-US"/>
               <a:t>Second level</a:t>
             </a:r>
           </a:p>
           <a:p>
             <a:pPr lvl="2" eaLnBrk="1" latinLnBrk="0" hangingPunct="1"/>
             <a:r>
-              <a:rPr lang="en-US" smtClean="0"/>
+              <a:rPr lang="en-US"/>
               <a:t>Third level</a:t>
             </a:r>
           </a:p>
           <a:p>
             <a:pPr lvl="3" eaLnBrk="1" latinLnBrk="0" hangingPunct="1"/>
             <a:r>
-              <a:rPr lang="en-US" smtClean="0"/>
+              <a:rPr lang="en-US"/>
               <a:t>Fourth level</a:t>
             </a:r>
           </a:p>
           <a:p>
             <a:pPr lvl="4" eaLnBrk="1" latinLnBrk="0" hangingPunct="1"/>
             <a:r>
-              <a:rPr lang="en-US" smtClean="0"/>
+              <a:rPr lang="en-US"/>
               <a:t>Fifth level</a:t>
             </a:r>
             <a:endParaRPr kumimoji="0" lang="en-US"/>
@@ -3036,9 +2955,7 @@
         <p:spPr/>
         <p:txBody>
           <a:bodyPr/>
-          <a:lstStyle>
-            <a:extLst/>
-          </a:lstStyle>
+          <a:lstStyle/>
           <a:p>
             <a:fld id="{1EA2B3D4-2C4D-464A-BE5F-AA32045F2FD8}" type="datetimeFigureOut">
               <a:rPr lang="en-US" smtClean="0"/>
@@ -3062,9 +2979,7 @@
         <p:spPr/>
         <p:txBody>
           <a:bodyPr/>
-          <a:lstStyle>
-            <a:extLst/>
-          </a:lstStyle>
+          <a:lstStyle/>
           <a:p>
             <a:endParaRPr lang="en-US"/>
           </a:p>
@@ -3083,9 +2998,7 @@
         <p:spPr/>
         <p:txBody>
           <a:bodyPr/>
-          <a:lstStyle>
-            <a:extLst/>
-          </a:lstStyle>
+          <a:lstStyle/>
           <a:p>
             <a:fld id="{740A1FB7-A7E8-4A63-9601-F5991291E319}" type="slidenum">
               <a:rPr lang="en-US" smtClean="0"/>
@@ -3134,10 +3047,9 @@
           </a:lstStyle>
           <a:p>
             <a:r>
-              <a:rPr kumimoji="0" lang="en-US" smtClean="0"/>
+              <a:rPr kumimoji="0" lang="en-US"/>
               <a:t>Click icon to add picture</a:t>
             </a:r>
-            <a:endParaRPr kumimoji="0" lang="en-US"/>
           </a:p>
         </p:txBody>
       </p:sp>
@@ -3246,9 +3158,7 @@
         </p:style>
         <p:txBody>
           <a:bodyPr anchor="ctr"/>
-          <a:lstStyle>
-            <a:extLst/>
-          </a:lstStyle>
+          <a:lstStyle/>
           <a:p>
             <a:pPr algn="ctr" eaLnBrk="1" latinLnBrk="0" hangingPunct="1"/>
             <a:endParaRPr kumimoji="0" lang="en-US"/>
@@ -3318,9 +3228,7 @@
         </p:style>
         <p:txBody>
           <a:bodyPr anchor="ctr"/>
-          <a:lstStyle>
-            <a:extLst/>
-          </a:lstStyle>
+          <a:lstStyle/>
           <a:p>
             <a:pPr algn="ctr" eaLnBrk="1" latinLnBrk="0" hangingPunct="1"/>
             <a:endParaRPr kumimoji="0" lang="en-US"/>
@@ -3350,15 +3258,12 @@
           <a:bodyPr vert="horz" anchor="b">
             <a:normAutofit/>
           </a:bodyPr>
-          <a:lstStyle>
-            <a:extLst/>
-          </a:lstStyle>
-          <a:p>
-            <a:r>
-              <a:rPr kumimoji="0" lang="en-US" smtClean="0"/>
+          <a:lstStyle/>
+          <a:p>
+            <a:r>
+              <a:rPr kumimoji="0" lang="en-US"/>
               <a:t>Click to edit Master title style</a:t>
             </a:r>
-            <a:endParaRPr kumimoji="0" lang="en-US"/>
           </a:p>
         </p:txBody>
       </p:sp>
@@ -3385,44 +3290,41 @@
           <a:bodyPr vert="horz" lIns="182880" tIns="91440">
             <a:normAutofit/>
           </a:bodyPr>
-          <a:lstStyle>
-            <a:extLst/>
-          </a:lstStyle>
+          <a:lstStyle/>
           <a:p>
             <a:pPr lvl="0" eaLnBrk="1" latinLnBrk="0" hangingPunct="1"/>
             <a:r>
-              <a:rPr kumimoji="0" lang="en-US" smtClean="0"/>
+              <a:rPr kumimoji="0" lang="en-US"/>
               <a:t>Click to edit Master text styles</a:t>
             </a:r>
           </a:p>
           <a:p>
             <a:pPr lvl="1" eaLnBrk="1" latinLnBrk="0" hangingPunct="1"/>
             <a:r>
-              <a:rPr kumimoji="0" lang="en-US" smtClean="0"/>
+              <a:rPr kumimoji="0" lang="en-US"/>
               <a:t>Second level</a:t>
             </a:r>
           </a:p>
           <a:p>
             <a:pPr lvl="2" eaLnBrk="1" latinLnBrk="0" hangingPunct="1"/>
             <a:r>
-              <a:rPr kumimoji="0" lang="en-US" smtClean="0"/>
+              <a:rPr kumimoji="0" lang="en-US"/>
               <a:t>Third level</a:t>
             </a:r>
           </a:p>
           <a:p>
             <a:pPr lvl="3" eaLnBrk="1" latinLnBrk="0" hangingPunct="1"/>
             <a:r>
-              <a:rPr kumimoji="0" lang="en-US" smtClean="0"/>
+              <a:rPr kumimoji="0" lang="en-US"/>
               <a:t>Fourth level</a:t>
             </a:r>
           </a:p>
           <a:p>
             <a:pPr lvl="4" eaLnBrk="1" latinLnBrk="0" hangingPunct="1"/>
             <a:r>
-              <a:rPr kumimoji="0" lang="en-US" smtClean="0"/>
+              <a:rPr kumimoji="0" lang="en-US"/>
               <a:t>Fifth level</a:t>
             </a:r>
-            <a:endParaRPr kumimoji="0" lang="en-US"/>
           </a:p>
         </p:txBody>
       </p:sp>
@@ -3920,7 +3822,7 @@
         </p:blipFill>
         <p:spPr>
           <a:xfrm>
-            <a:off x="304800" y="381000"/>
+            <a:off x="304800" y="304800"/>
             <a:ext cx="8534400" cy="6088606"/>
           </a:xfrm>
           <a:prstGeom prst="rect">
@@ -3947,7 +3849,7 @@
         </p:nvSpPr>
         <p:spPr>
           <a:xfrm>
-            <a:off x="1143000" y="2895600"/>
+            <a:off x="1143000" y="3200400"/>
             <a:ext cx="7772400" cy="1981200"/>
           </a:xfrm>
         </p:spPr>
@@ -3959,7 +3861,7 @@
           <a:p>
             <a:pPr algn="ctr"/>
             <a:r>
-              <a:rPr lang="en-US" sz="3200" smtClean="0">
+              <a:rPr lang="en-US" sz="2400" dirty="0">
                 <a:solidFill>
                   <a:schemeClr val="tx1">
                     <a:lumMod val="95000"/>
@@ -3967,10 +3869,49 @@
                   </a:schemeClr>
                 </a:solidFill>
               </a:rPr>
-              <a:t>Baibhav</a:t>
-            </a:r>
-            <a:r>
-              <a:rPr lang="en-US" sz="3200" dirty="0" smtClean="0">
+              <a:t>Baibhav Bista</a:t>
+            </a:r>
+          </a:p>
+          <a:p>
+            <a:pPr algn="ctr"/>
+            <a:r>
+              <a:rPr lang="en-US" sz="2400" dirty="0" err="1">
+                <a:solidFill>
+                  <a:schemeClr val="tx1">
+                    <a:lumMod val="95000"/>
+                    <a:lumOff val="5000"/>
+                  </a:schemeClr>
+                </a:solidFill>
+              </a:rPr>
+              <a:t>Lumanti</a:t>
+            </a:r>
+            <a:r>
+              <a:rPr lang="en-US" sz="2400" dirty="0">
+                <a:solidFill>
+                  <a:schemeClr val="tx1">
+                    <a:lumMod val="95000"/>
+                    <a:lumOff val="5000"/>
+                  </a:schemeClr>
+                </a:solidFill>
+              </a:rPr>
+              <a:t> Dangol</a:t>
+            </a:r>
+          </a:p>
+          <a:p>
+            <a:pPr algn="ctr"/>
+            <a:r>
+              <a:rPr lang="en-US" sz="2400" dirty="0" err="1">
+                <a:solidFill>
+                  <a:schemeClr val="tx1">
+                    <a:lumMod val="95000"/>
+                    <a:lumOff val="5000"/>
+                  </a:schemeClr>
+                </a:solidFill>
+              </a:rPr>
+              <a:t>Mohit</a:t>
+            </a:r>
+            <a:r>
+              <a:rPr lang="en-US" sz="2400" dirty="0">
                 <a:solidFill>
                   <a:schemeClr val="tx1">
                     <a:lumMod val="95000"/>
@@ -3981,76 +3922,7 @@
               <a:t> </a:t>
             </a:r>
             <a:r>
-              <a:rPr lang="en-US" sz="3200" dirty="0" err="1" smtClean="0">
-                <a:solidFill>
-                  <a:schemeClr val="tx1">
-                    <a:lumMod val="95000"/>
-                    <a:lumOff val="5000"/>
-                  </a:schemeClr>
-                </a:solidFill>
-              </a:rPr>
-              <a:t>Bista</a:t>
-            </a:r>
-            <a:endParaRPr lang="en-US" sz="3200" dirty="0" smtClean="0">
-              <a:solidFill>
-                <a:schemeClr val="tx1">
-                  <a:lumMod val="95000"/>
-                  <a:lumOff val="5000"/>
-                </a:schemeClr>
-              </a:solidFill>
-            </a:endParaRPr>
-          </a:p>
-          <a:p>
-            <a:pPr algn="ctr"/>
-            <a:r>
-              <a:rPr lang="en-US" sz="3200" dirty="0" err="1" smtClean="0">
-                <a:solidFill>
-                  <a:schemeClr val="tx1">
-                    <a:lumMod val="95000"/>
-                    <a:lumOff val="5000"/>
-                  </a:schemeClr>
-                </a:solidFill>
-              </a:rPr>
-              <a:t>Lumanti</a:t>
-            </a:r>
-            <a:r>
-              <a:rPr lang="en-US" sz="3200" dirty="0" smtClean="0">
-                <a:solidFill>
-                  <a:schemeClr val="tx1">
-                    <a:lumMod val="95000"/>
-                    <a:lumOff val="5000"/>
-                  </a:schemeClr>
-                </a:solidFill>
-              </a:rPr>
-              <a:t> Dangol</a:t>
-            </a:r>
-          </a:p>
-          <a:p>
-            <a:pPr algn="ctr"/>
-            <a:r>
-              <a:rPr lang="en-US" sz="3200" dirty="0" err="1" smtClean="0">
-                <a:solidFill>
-                  <a:schemeClr val="tx1">
-                    <a:lumMod val="95000"/>
-                    <a:lumOff val="5000"/>
-                  </a:schemeClr>
-                </a:solidFill>
-              </a:rPr>
-              <a:t>Mohit</a:t>
-            </a:r>
-            <a:r>
-              <a:rPr lang="en-US" sz="3200" dirty="0" smtClean="0">
-                <a:solidFill>
-                  <a:schemeClr val="tx1">
-                    <a:lumMod val="95000"/>
-                    <a:lumOff val="5000"/>
-                  </a:schemeClr>
-                </a:solidFill>
-              </a:rPr>
-              <a:t> </a:t>
-            </a:r>
-            <a:r>
-              <a:rPr lang="en-US" sz="3200" dirty="0" err="1" smtClean="0">
+              <a:rPr lang="en-US" sz="2400" dirty="0" err="1">
                 <a:solidFill>
                   <a:schemeClr val="tx1">
                     <a:lumMod val="95000"/>
@@ -4060,7 +3932,7 @@
               </a:rPr>
               <a:t>Kedia</a:t>
             </a:r>
-            <a:endParaRPr lang="en-US" sz="3200" dirty="0">
+            <a:endParaRPr lang="en-US" sz="2400" dirty="0">
               <a:solidFill>
                 <a:schemeClr val="tx1">
                   <a:lumMod val="95000"/>
@@ -4103,11 +3975,30 @@
           <a:chExt cx="0" cy="0"/>
         </a:xfrm>
       </p:grpSpPr>
+      <p:sp>
+        <p:nvSpPr>
+          <p:cNvPr id="2" name="Title 1"/>
+          <p:cNvSpPr>
+            <a:spLocks noGrp="1"/>
+          </p:cNvSpPr>
+          <p:nvPr>
+            <p:ph type="title"/>
+          </p:nvPr>
+        </p:nvSpPr>
+        <p:spPr/>
+        <p:txBody>
+          <a:bodyPr/>
+          <a:lstStyle/>
+          <a:p>
+            <a:endParaRPr lang="en-US"/>
+          </a:p>
+        </p:txBody>
+      </p:sp>
       <p:pic>
         <p:nvPicPr>
           <p:cNvPr id="4" name="Content Placeholder 3"/>
           <p:cNvPicPr>
-            <a:picLocks noGrp="1"/>
+            <a:picLocks noGrp="1" noChangeAspect="1"/>
           </p:cNvPicPr>
           <p:nvPr>
             <p:ph idx="1"/>
@@ -4115,33 +4006,37 @@
         </p:nvPicPr>
         <p:blipFill>
           <a:blip r:embed="rId2"/>
-          <a:srcRect/>
           <a:stretch>
             <a:fillRect/>
           </a:stretch>
         </p:blipFill>
-        <p:spPr bwMode="auto">
+        <p:spPr>
           <a:xfrm>
-            <a:off x="1506880" y="454024"/>
-            <a:ext cx="6417920" cy="5489576"/>
+            <a:off x="502920" y="530225"/>
+            <a:ext cx="8163175" cy="5413375"/>
           </a:xfrm>
           <a:prstGeom prst="rect">
             <a:avLst/>
           </a:prstGeom>
-          <a:noFill/>
-          <a:ln w="9525">
-            <a:noFill/>
-            <a:miter lim="800000"/>
-            <a:headEnd/>
-            <a:tailEnd/>
-          </a:ln>
         </p:spPr>
       </p:pic>
     </p:spTree>
+    <p:extLst>
+      <p:ext uri="{BB962C8B-B14F-4D97-AF65-F5344CB8AC3E}">
+        <p14:creationId xmlns:p14="http://schemas.microsoft.com/office/powerpoint/2010/main" val="3251901501"/>
+      </p:ext>
+    </p:extLst>
   </p:cSld>
   <p:clrMapOvr>
     <a:masterClrMapping/>
   </p:clrMapOvr>
+  <p:timing>
+    <p:tnLst>
+      <p:par>
+        <p:cTn id="1" dur="indefinite" restart="never" nodeType="tmRoot"/>
+      </p:par>
+    </p:tnLst>
+  </p:timing>
 </p:sld>
 </file>
 
@@ -4162,45 +4057,97 @@
           <a:chExt cx="0" cy="0"/>
         </a:xfrm>
       </p:grpSpPr>
-      <p:pic>
-        <p:nvPicPr>
-          <p:cNvPr id="4" name="Content Placeholder 3"/>
-          <p:cNvPicPr>
-            <a:picLocks noGrp="1"/>
-          </p:cNvPicPr>
+      <p:sp>
+        <p:nvSpPr>
+          <p:cNvPr id="3" name="Content Placeholder 2"/>
+          <p:cNvSpPr>
+            <a:spLocks noGrp="1"/>
+          </p:cNvSpPr>
           <p:nvPr>
             <p:ph idx="1"/>
           </p:nvPr>
-        </p:nvPicPr>
-        <p:blipFill>
-          <a:blip r:embed="rId2"/>
-          <a:srcRect t="1117"/>
-          <a:stretch>
-            <a:fillRect/>
-          </a:stretch>
-        </p:blipFill>
-        <p:spPr bwMode="auto">
+        </p:nvSpPr>
+        <p:spPr>
           <a:xfrm>
-            <a:off x="1371600" y="445412"/>
-            <a:ext cx="6477000" cy="5421988"/>
+            <a:off x="502920" y="530352"/>
+            <a:ext cx="8183880" cy="5260848"/>
           </a:xfrm>
-          <a:prstGeom prst="rect">
-            <a:avLst/>
-          </a:prstGeom>
-          <a:noFill/>
-          <a:ln w="9525">
-            <a:noFill/>
-            <a:miter lim="800000"/>
-            <a:headEnd/>
-            <a:tailEnd/>
-          </a:ln>
         </p:spPr>
-      </p:pic>
+        <p:txBody>
+          <a:bodyPr>
+            <a:normAutofit/>
+          </a:bodyPr>
+          <a:lstStyle/>
+          <a:p>
+            <a:pPr>
+              <a:buNone/>
+            </a:pPr>
+            <a:r>
+              <a:rPr lang="en-US" sz="4800" dirty="0" err="1"/>
+              <a:t>Powerups</a:t>
+            </a:r>
+            <a:r>
+              <a:rPr lang="en-US" sz="4800" dirty="0"/>
+              <a:t>:</a:t>
+            </a:r>
+          </a:p>
+          <a:p>
+            <a:pPr>
+              <a:buNone/>
+            </a:pPr>
+            <a:endParaRPr lang="en-US" sz="4800" dirty="0"/>
+          </a:p>
+          <a:p>
+            <a:pPr marL="514350" indent="-514350"/>
+            <a:r>
+              <a:rPr lang="en-US" dirty="0" err="1"/>
+              <a:t>Bombup:increases</a:t>
+            </a:r>
+            <a:r>
+              <a:rPr lang="en-US" dirty="0"/>
+              <a:t> the player’s number of bomb by 1</a:t>
+            </a:r>
+          </a:p>
+          <a:p>
+            <a:pPr marL="514350" indent="-514350"/>
+            <a:r>
+              <a:rPr lang="en-US" dirty="0" err="1"/>
+              <a:t>Fireup</a:t>
+            </a:r>
+            <a:r>
+              <a:rPr lang="en-US" dirty="0"/>
+              <a:t>: increases the max blast radius of the bomb by 1</a:t>
+            </a:r>
+          </a:p>
+          <a:p>
+            <a:pPr marL="514350" indent="-514350"/>
+            <a:r>
+              <a:rPr lang="en-US" dirty="0"/>
+              <a:t>Skate </a:t>
+            </a:r>
+            <a:r>
+              <a:rPr lang="en-US" dirty="0" err="1"/>
+              <a:t>powerup:increases</a:t>
+            </a:r>
+            <a:r>
+              <a:rPr lang="en-US" dirty="0"/>
+              <a:t> the player’s speed</a:t>
+            </a:r>
+          </a:p>
+        </p:txBody>
+      </p:sp>
     </p:spTree>
   </p:cSld>
   <p:clrMapOvr>
     <a:masterClrMapping/>
   </p:clrMapOvr>
+  <p:timing>
+    <p:tnLst>
+      <p:par>
+        <p:cTn id="1" dur="indefinite" restart="never" nodeType="tmRoot"/>
+      </p:par>
+    </p:tnLst>
+  </p:timing>
 </p:sld>
 </file>
 
@@ -4233,15 +4180,15 @@
         </p:nvPicPr>
         <p:blipFill>
           <a:blip r:embed="rId2"/>
-          <a:srcRect/>
+          <a:srcRect t="1117"/>
           <a:stretch>
             <a:fillRect/>
           </a:stretch>
         </p:blipFill>
         <p:spPr bwMode="auto">
           <a:xfrm>
-            <a:off x="1368492" y="454025"/>
-            <a:ext cx="6403908" cy="5413375"/>
+            <a:off x="457200" y="445412"/>
+            <a:ext cx="8229600" cy="5421988"/>
           </a:xfrm>
           <a:prstGeom prst="rect">
             <a:avLst/>
@@ -4260,6 +4207,13 @@
   <p:clrMapOvr>
     <a:masterClrMapping/>
   </p:clrMapOvr>
+  <p:timing>
+    <p:tnLst>
+      <p:par>
+        <p:cTn id="1" dur="indefinite" restart="never" nodeType="tmRoot"/>
+      </p:par>
+    </p:tnLst>
+  </p:timing>
 </p:sld>
 </file>
 
@@ -4280,6 +4234,150 @@
           <a:chExt cx="0" cy="0"/>
         </a:xfrm>
       </p:grpSpPr>
+      <p:pic>
+        <p:nvPicPr>
+          <p:cNvPr id="4" name="Content Placeholder 3"/>
+          <p:cNvPicPr>
+            <a:picLocks noGrp="1"/>
+          </p:cNvPicPr>
+          <p:nvPr>
+            <p:ph idx="1"/>
+          </p:nvPr>
+        </p:nvPicPr>
+        <p:blipFill>
+          <a:blip r:embed="rId2"/>
+          <a:srcRect/>
+          <a:stretch>
+            <a:fillRect/>
+          </a:stretch>
+        </p:blipFill>
+        <p:spPr bwMode="auto">
+          <a:xfrm>
+            <a:off x="457200" y="454025"/>
+            <a:ext cx="8229600" cy="5413375"/>
+          </a:xfrm>
+          <a:prstGeom prst="rect">
+            <a:avLst/>
+          </a:prstGeom>
+          <a:noFill/>
+          <a:ln w="9525">
+            <a:noFill/>
+            <a:miter lim="800000"/>
+            <a:headEnd/>
+            <a:tailEnd/>
+          </a:ln>
+        </p:spPr>
+      </p:pic>
+    </p:spTree>
+  </p:cSld>
+  <p:clrMapOvr>
+    <a:masterClrMapping/>
+  </p:clrMapOvr>
+  <p:timing>
+    <p:tnLst>
+      <p:par>
+        <p:cTn id="1" dur="indefinite" restart="never" nodeType="tmRoot"/>
+      </p:par>
+    </p:tnLst>
+  </p:timing>
+</p:sld>
+</file>
+
+<file path=ppt/slides/slide14.xml><?xml version="1.0" encoding="utf-8"?>
+<p:sld xmlns:a="http://schemas.openxmlformats.org/drawingml/2006/main" xmlns:r="http://schemas.openxmlformats.org/officeDocument/2006/relationships" xmlns:p="http://schemas.openxmlformats.org/presentationml/2006/main">
+  <p:cSld>
+    <p:spTree>
+      <p:nvGrpSpPr>
+        <p:cNvPr id="1" name=""/>
+        <p:cNvGrpSpPr/>
+        <p:nvPr/>
+      </p:nvGrpSpPr>
+      <p:grpSpPr>
+        <a:xfrm>
+          <a:off x="0" y="0"/>
+          <a:ext cx="0" cy="0"/>
+          <a:chOff x="0" y="0"/>
+          <a:chExt cx="0" cy="0"/>
+        </a:xfrm>
+      </p:grpSpPr>
+      <p:sp>
+        <p:nvSpPr>
+          <p:cNvPr id="2" name="Title 1"/>
+          <p:cNvSpPr>
+            <a:spLocks noGrp="1"/>
+          </p:cNvSpPr>
+          <p:nvPr>
+            <p:ph type="title"/>
+          </p:nvPr>
+        </p:nvSpPr>
+        <p:spPr/>
+        <p:txBody>
+          <a:bodyPr/>
+          <a:lstStyle/>
+          <a:p>
+            <a:endParaRPr lang="en-US"/>
+          </a:p>
+        </p:txBody>
+      </p:sp>
+      <p:pic>
+        <p:nvPicPr>
+          <p:cNvPr id="4" name="Content Placeholder 3"/>
+          <p:cNvPicPr>
+            <a:picLocks noGrp="1" noChangeAspect="1"/>
+          </p:cNvPicPr>
+          <p:nvPr>
+            <p:ph idx="1"/>
+          </p:nvPr>
+        </p:nvPicPr>
+        <p:blipFill>
+          <a:blip r:embed="rId2">
+            <a:extLst>
+              <a:ext uri="{28A0092B-C50C-407E-A947-70E740481C1C}">
+                <a14:useLocalDpi xmlns:a14="http://schemas.microsoft.com/office/drawing/2010/main" val="0"/>
+              </a:ext>
+            </a:extLst>
+          </a:blip>
+          <a:stretch>
+            <a:fillRect/>
+          </a:stretch>
+        </p:blipFill>
+        <p:spPr>
+          <a:xfrm>
+            <a:off x="502920" y="530225"/>
+            <a:ext cx="8183880" cy="5337175"/>
+          </a:xfrm>
+        </p:spPr>
+      </p:pic>
+    </p:spTree>
+    <p:extLst>
+      <p:ext uri="{BB962C8B-B14F-4D97-AF65-F5344CB8AC3E}">
+        <p14:creationId xmlns:p14="http://schemas.microsoft.com/office/powerpoint/2010/main" val="3260190434"/>
+      </p:ext>
+    </p:extLst>
+  </p:cSld>
+  <p:clrMapOvr>
+    <a:masterClrMapping/>
+  </p:clrMapOvr>
+</p:sld>
+</file>
+
+<file path=ppt/slides/slide15.xml><?xml version="1.0" encoding="utf-8"?>
+<p:sld xmlns:a="http://schemas.openxmlformats.org/drawingml/2006/main" xmlns:r="http://schemas.openxmlformats.org/officeDocument/2006/relationships" xmlns:p="http://schemas.openxmlformats.org/presentationml/2006/main">
+  <p:cSld>
+    <p:spTree>
+      <p:nvGrpSpPr>
+        <p:cNvPr id="1" name=""/>
+        <p:cNvGrpSpPr/>
+        <p:nvPr/>
+      </p:nvGrpSpPr>
+      <p:grpSpPr>
+        <a:xfrm>
+          <a:off x="0" y="0"/>
+          <a:ext cx="0" cy="0"/>
+          <a:chOff x="0" y="0"/>
+          <a:chExt cx="0" cy="0"/>
+        </a:xfrm>
+      </p:grpSpPr>
       <p:sp>
         <p:nvSpPr>
           <p:cNvPr id="3" name="Content Placeholder 2"/>
@@ -4304,7 +4402,7 @@
               <a:buNone/>
             </a:pPr>
             <a:r>
-              <a:rPr lang="en-US" sz="4000" dirty="0" smtClean="0"/>
+              <a:rPr lang="en-US" sz="4000" dirty="0"/>
               <a:t>Flow of the </a:t>
             </a:r>
           </a:p>
@@ -4313,7 +4411,7 @@
               <a:buNone/>
             </a:pPr>
             <a:r>
-              <a:rPr lang="en-US" sz="4000" dirty="0" smtClean="0"/>
+              <a:rPr lang="en-US" sz="4000" dirty="0"/>
               <a:t>game:</a:t>
             </a:r>
           </a:p>
@@ -4365,216 +4463,6 @@
 </p:sld>
 </file>
 
-<file path=ppt/slides/slide14.xml><?xml version="1.0" encoding="utf-8"?>
-<p:sld xmlns:a="http://schemas.openxmlformats.org/drawingml/2006/main" xmlns:r="http://schemas.openxmlformats.org/officeDocument/2006/relationships" xmlns:p="http://schemas.openxmlformats.org/presentationml/2006/main">
-  <p:cSld>
-    <p:spTree>
-      <p:nvGrpSpPr>
-        <p:cNvPr id="1" name=""/>
-        <p:cNvGrpSpPr/>
-        <p:nvPr/>
-      </p:nvGrpSpPr>
-      <p:grpSpPr>
-        <a:xfrm>
-          <a:off x="0" y="0"/>
-          <a:ext cx="0" cy="0"/>
-          <a:chOff x="0" y="0"/>
-          <a:chExt cx="0" cy="0"/>
-        </a:xfrm>
-      </p:grpSpPr>
-      <p:sp>
-        <p:nvSpPr>
-          <p:cNvPr id="3" name="Content Placeholder 2"/>
-          <p:cNvSpPr>
-            <a:spLocks noGrp="1"/>
-          </p:cNvSpPr>
-          <p:nvPr>
-            <p:ph idx="1"/>
-          </p:nvPr>
-        </p:nvSpPr>
-        <p:spPr>
-          <a:xfrm>
-            <a:off x="502920" y="454152"/>
-            <a:ext cx="8183880" cy="5565648"/>
-          </a:xfrm>
-        </p:spPr>
-        <p:txBody>
-          <a:bodyPr>
-            <a:normAutofit lnSpcReduction="10000"/>
-          </a:bodyPr>
-          <a:lstStyle/>
-          <a:p>
-            <a:pPr>
-              <a:buNone/>
-            </a:pPr>
-            <a:r>
-              <a:rPr lang="en-US" sz="4400" dirty="0" smtClean="0"/>
-              <a:t>Mobility:</a:t>
-            </a:r>
-            <a:endParaRPr lang="en-US" dirty="0" smtClean="0"/>
-          </a:p>
-          <a:p>
-            <a:r>
-              <a:rPr lang="en-US" dirty="0" smtClean="0"/>
-              <a:t>the movement of the players is programmed through the coordinate system so the players can move in any position of the block</a:t>
-            </a:r>
-          </a:p>
-          <a:p>
-            <a:r>
-              <a:rPr lang="en-US" dirty="0" smtClean="0"/>
-              <a:t>the position of the block is determined through the row and columns (matrix system) so the bomb always appear at the center of the cell </a:t>
-            </a:r>
-          </a:p>
-          <a:p>
-            <a:r>
-              <a:rPr lang="en-US" dirty="0" smtClean="0"/>
-              <a:t>this is done so that the range </a:t>
-            </a:r>
-            <a:r>
-              <a:rPr lang="en-US" dirty="0" err="1" smtClean="0"/>
-              <a:t>upto</a:t>
-            </a:r>
-            <a:r>
-              <a:rPr lang="en-US" dirty="0" smtClean="0"/>
-              <a:t> which bomb explodes is symmetric in all four directions</a:t>
-            </a:r>
-            <a:endParaRPr lang="en-US" dirty="0"/>
-          </a:p>
-        </p:txBody>
-      </p:sp>
-    </p:spTree>
-  </p:cSld>
-  <p:clrMapOvr>
-    <a:masterClrMapping/>
-  </p:clrMapOvr>
-  <p:timing>
-    <p:tnLst>
-      <p:par>
-        <p:cTn id="1" dur="indefinite" restart="never" nodeType="tmRoot"/>
-      </p:par>
-    </p:tnLst>
-  </p:timing>
-</p:sld>
-</file>
-
-<file path=ppt/slides/slide15.xml><?xml version="1.0" encoding="utf-8"?>
-<p:sld xmlns:a="http://schemas.openxmlformats.org/drawingml/2006/main" xmlns:r="http://schemas.openxmlformats.org/officeDocument/2006/relationships" xmlns:p="http://schemas.openxmlformats.org/presentationml/2006/main">
-  <p:cSld>
-    <p:spTree>
-      <p:nvGrpSpPr>
-        <p:cNvPr id="1" name=""/>
-        <p:cNvGrpSpPr/>
-        <p:nvPr/>
-      </p:nvGrpSpPr>
-      <p:grpSpPr>
-        <a:xfrm>
-          <a:off x="0" y="0"/>
-          <a:ext cx="0" cy="0"/>
-          <a:chOff x="0" y="0"/>
-          <a:chExt cx="0" cy="0"/>
-        </a:xfrm>
-      </p:grpSpPr>
-      <p:sp>
-        <p:nvSpPr>
-          <p:cNvPr id="3" name="Content Placeholder 2"/>
-          <p:cNvSpPr>
-            <a:spLocks noGrp="1"/>
-          </p:cNvSpPr>
-          <p:nvPr>
-            <p:ph idx="1"/>
-          </p:nvPr>
-        </p:nvSpPr>
-        <p:spPr>
-          <a:xfrm>
-            <a:off x="502920" y="454152"/>
-            <a:ext cx="8183880" cy="5489448"/>
-          </a:xfrm>
-        </p:spPr>
-        <p:txBody>
-          <a:bodyPr>
-            <a:normAutofit fontScale="92500" lnSpcReduction="10000"/>
-          </a:bodyPr>
-          <a:lstStyle/>
-          <a:p>
-            <a:pPr>
-              <a:buNone/>
-            </a:pPr>
-            <a:r>
-              <a:rPr lang="en-US" sz="4300" dirty="0" smtClean="0"/>
-              <a:t>Limitations and future enhancements:</a:t>
-            </a:r>
-          </a:p>
-          <a:p>
-            <a:r>
-              <a:rPr lang="en-US" sz="2600" dirty="0" smtClean="0"/>
-              <a:t>few maps due to span of time</a:t>
-            </a:r>
-          </a:p>
-          <a:p>
-            <a:pPr lvl="1"/>
-            <a:r>
-              <a:rPr lang="en-US" sz="2600" dirty="0" smtClean="0"/>
-              <a:t>Could be developed with many maps in the future.</a:t>
-            </a:r>
-          </a:p>
-          <a:p>
-            <a:r>
-              <a:rPr lang="en-US" sz="2600" dirty="0" smtClean="0"/>
-              <a:t>The facility of saving the game is not possible</a:t>
-            </a:r>
-          </a:p>
-          <a:p>
-            <a:pPr lvl="1"/>
-            <a:r>
-              <a:rPr lang="en-US" sz="2600" dirty="0" smtClean="0"/>
-              <a:t>Could save and retrieve in future</a:t>
-            </a:r>
-          </a:p>
-          <a:p>
-            <a:pPr lvl="0"/>
-            <a:r>
-              <a:rPr lang="en-US" sz="2600" dirty="0" smtClean="0"/>
-              <a:t>The facility of challenging the other player can be added up in the future </a:t>
-            </a:r>
-          </a:p>
-          <a:p>
-            <a:pPr lvl="1"/>
-            <a:r>
-              <a:rPr lang="en-US" sz="2600" dirty="0" smtClean="0"/>
-              <a:t>might attract more users and make this game more exciting.</a:t>
-            </a:r>
-          </a:p>
-          <a:p>
-            <a:r>
-              <a:rPr lang="en-US" sz="2600" dirty="0" smtClean="0"/>
-              <a:t>Different mini games like cart racing, pong, </a:t>
-            </a:r>
-            <a:r>
-              <a:rPr lang="en-US" sz="2600" dirty="0" err="1" smtClean="0"/>
-              <a:t>flappy</a:t>
-            </a:r>
-            <a:r>
-              <a:rPr lang="en-US" sz="2600" dirty="0" smtClean="0"/>
-              <a:t> bird, etc can be added in between the game with each progressing</a:t>
-            </a:r>
-          </a:p>
-        </p:txBody>
-      </p:sp>
-    </p:spTree>
-  </p:cSld>
-  <p:clrMapOvr>
-    <a:masterClrMapping/>
-  </p:clrMapOvr>
-  <p:timing>
-    <p:tnLst>
-      <p:par>
-        <p:cTn id="1" dur="indefinite" restart="never" nodeType="tmRoot"/>
-      </p:par>
-    </p:tnLst>
-  </p:timing>
-</p:sld>
-</file>
-
 <file path=ppt/slides/slide16.xml><?xml version="1.0" encoding="utf-8"?>
 <p:sld xmlns:a="http://schemas.openxmlformats.org/drawingml/2006/main" xmlns:r="http://schemas.openxmlformats.org/officeDocument/2006/relationships" xmlns:p="http://schemas.openxmlformats.org/presentationml/2006/main">
   <p:cSld>
@@ -4594,7 +4482,13 @@
       </p:grpSpPr>
       <p:sp>
         <p:nvSpPr>
-          <p:cNvPr id="3" name="Content Placeholder 2"/>
+          <p:cNvPr id="3" name="Content Placeholder 2">
+            <a:extLst>
+              <a:ext uri="{FF2B5EF4-FFF2-40B4-BE49-F238E27FC236}">
+                <a16:creationId xmlns:a16="http://schemas.microsoft.com/office/drawing/2014/main" id="{35E72A66-A887-4E27-812C-16DCEC8AE47D}"/>
+              </a:ext>
+            </a:extLst>
+          </p:cNvPr>
           <p:cNvSpPr>
             <a:spLocks noGrp="1"/>
           </p:cNvSpPr>
@@ -4605,7 +4499,136 @@
         <p:spPr>
           <a:xfrm>
             <a:off x="502920" y="530352"/>
-            <a:ext cx="8183880" cy="5337048"/>
+            <a:ext cx="8183880" cy="5108448"/>
+          </a:xfrm>
+        </p:spPr>
+        <p:txBody>
+          <a:bodyPr>
+            <a:normAutofit/>
+          </a:bodyPr>
+          <a:lstStyle/>
+          <a:p>
+            <a:pPr marL="0" indent="0">
+              <a:buNone/>
+            </a:pPr>
+            <a:r>
+              <a:rPr lang="en-US" sz="4400" dirty="0"/>
+              <a:t>Header files</a:t>
+            </a:r>
+          </a:p>
+          <a:p>
+            <a:endParaRPr lang="en-US" dirty="0"/>
+          </a:p>
+          <a:p>
+            <a:r>
+              <a:rPr lang="en-US" dirty="0" err="1"/>
+              <a:t>MainMenu</a:t>
+            </a:r>
+            <a:r>
+              <a:rPr lang="en-US" dirty="0"/>
+              <a:t> </a:t>
+            </a:r>
+          </a:p>
+          <a:p>
+            <a:r>
+              <a:rPr lang="en-US" dirty="0"/>
+              <a:t>Engine </a:t>
+            </a:r>
+          </a:p>
+          <a:p>
+            <a:r>
+              <a:rPr lang="en-US" dirty="0"/>
+              <a:t>Level </a:t>
+            </a:r>
+          </a:p>
+          <a:p>
+            <a:r>
+              <a:rPr lang="en-US" dirty="0"/>
+              <a:t>Bomber </a:t>
+            </a:r>
+          </a:p>
+          <a:p>
+            <a:r>
+              <a:rPr lang="en-US" dirty="0"/>
+              <a:t>Bomb </a:t>
+            </a:r>
+          </a:p>
+          <a:p>
+            <a:r>
+              <a:rPr lang="en-US" dirty="0"/>
+              <a:t>Explosion </a:t>
+            </a:r>
+          </a:p>
+          <a:p>
+            <a:r>
+              <a:rPr lang="en-US" dirty="0" err="1"/>
+              <a:t>RCintoCoor</a:t>
+            </a:r>
+            <a:r>
+              <a:rPr lang="en-US" dirty="0"/>
+              <a:t> </a:t>
+            </a:r>
+          </a:p>
+          <a:p>
+            <a:r>
+              <a:rPr lang="en-US" dirty="0" err="1"/>
+              <a:t>PausableTimer</a:t>
+            </a:r>
+            <a:endParaRPr lang="en-US" dirty="0"/>
+          </a:p>
+        </p:txBody>
+      </p:sp>
+    </p:spTree>
+    <p:extLst>
+      <p:ext uri="{BB962C8B-B14F-4D97-AF65-F5344CB8AC3E}">
+        <p14:creationId xmlns:p14="http://schemas.microsoft.com/office/powerpoint/2010/main" val="2983623380"/>
+      </p:ext>
+    </p:extLst>
+  </p:cSld>
+  <p:clrMapOvr>
+    <a:masterClrMapping/>
+  </p:clrMapOvr>
+  <p:timing>
+    <p:tnLst>
+      <p:par>
+        <p:cTn id="1" dur="indefinite" restart="never" nodeType="tmRoot"/>
+      </p:par>
+    </p:tnLst>
+  </p:timing>
+</p:sld>
+</file>
+
+<file path=ppt/slides/slide17.xml><?xml version="1.0" encoding="utf-8"?>
+<p:sld xmlns:a="http://schemas.openxmlformats.org/drawingml/2006/main" xmlns:r="http://schemas.openxmlformats.org/officeDocument/2006/relationships" xmlns:p="http://schemas.openxmlformats.org/presentationml/2006/main">
+  <p:cSld>
+    <p:spTree>
+      <p:nvGrpSpPr>
+        <p:cNvPr id="1" name=""/>
+        <p:cNvGrpSpPr/>
+        <p:nvPr/>
+      </p:nvGrpSpPr>
+      <p:grpSpPr>
+        <a:xfrm>
+          <a:off x="0" y="0"/>
+          <a:ext cx="0" cy="0"/>
+          <a:chOff x="0" y="0"/>
+          <a:chExt cx="0" cy="0"/>
+        </a:xfrm>
+      </p:grpSpPr>
+      <p:sp>
+        <p:nvSpPr>
+          <p:cNvPr id="3" name="Content Placeholder 2"/>
+          <p:cNvSpPr>
+            <a:spLocks noGrp="1"/>
+          </p:cNvSpPr>
+          <p:nvPr>
+            <p:ph idx="1"/>
+          </p:nvPr>
+        </p:nvSpPr>
+        <p:spPr>
+          <a:xfrm>
+            <a:off x="502920" y="454152"/>
+            <a:ext cx="8183880" cy="5565648"/>
           </a:xfrm>
         </p:spPr>
         <p:txBody>
@@ -4618,45 +4641,36 @@
               <a:buNone/>
             </a:pPr>
             <a:r>
-              <a:rPr lang="en-US" sz="4000" dirty="0" smtClean="0"/>
-              <a:t>Conclusion and recommendations:</a:t>
-            </a:r>
-          </a:p>
-          <a:p>
-            <a:pPr>
-              <a:buNone/>
-            </a:pPr>
-            <a:endParaRPr lang="en-US" sz="3200" dirty="0" smtClean="0"/>
-          </a:p>
-          <a:p>
-            <a:r>
-              <a:rPr lang="en-US" dirty="0" smtClean="0"/>
-              <a:t>Implementation of the theoretical knowledge of OOP approach</a:t>
-            </a:r>
-          </a:p>
-          <a:p>
-            <a:r>
-              <a:rPr lang="en-US" dirty="0" smtClean="0"/>
-              <a:t>Development of concept and skills on Project Management</a:t>
-            </a:r>
-          </a:p>
-          <a:p>
-            <a:r>
-              <a:rPr lang="en-US" dirty="0" smtClean="0"/>
-              <a:t>Development of the program that can be implemented practically</a:t>
-            </a:r>
-          </a:p>
-          <a:p>
-            <a:r>
-              <a:rPr lang="en-US" dirty="0" smtClean="0"/>
-              <a:t>Sense of professionalism and advantage of working together as a team</a:t>
-            </a:r>
-          </a:p>
-          <a:p>
-            <a:pPr>
-              <a:buNone/>
-            </a:pPr>
+              <a:rPr lang="en-US" sz="4400" dirty="0"/>
+              <a:t>Mobility:</a:t>
+            </a:r>
             <a:endParaRPr lang="en-US" dirty="0"/>
+          </a:p>
+          <a:p>
+            <a:r>
+              <a:rPr lang="en-US" dirty="0"/>
+              <a:t>the movement of the players is programmed through the coordinate system so the players can move in any position of the block</a:t>
+            </a:r>
+          </a:p>
+          <a:p>
+            <a:r>
+              <a:rPr lang="en-US" dirty="0"/>
+              <a:t>the position of the block is determined through the row and columns (matrix system) so the bomb always appear at the center of the cell </a:t>
+            </a:r>
+          </a:p>
+          <a:p>
+            <a:r>
+              <a:rPr lang="en-US" dirty="0"/>
+              <a:t>this is done so that the range </a:t>
+            </a:r>
+            <a:r>
+              <a:rPr lang="en-US" dirty="0" err="1"/>
+              <a:t>upto</a:t>
+            </a:r>
+            <a:r>
+              <a:rPr lang="en-US" dirty="0"/>
+              <a:t> which bomb explodes is symmetric in all four directions</a:t>
+            </a:r>
           </a:p>
         </p:txBody>
       </p:sp>
@@ -4672,6 +4686,210 @@
       </p:par>
     </p:tnLst>
   </p:timing>
+</p:sld>
+</file>
+
+<file path=ppt/slides/slide18.xml><?xml version="1.0" encoding="utf-8"?>
+<p:sld xmlns:a="http://schemas.openxmlformats.org/drawingml/2006/main" xmlns:r="http://schemas.openxmlformats.org/officeDocument/2006/relationships" xmlns:p="http://schemas.openxmlformats.org/presentationml/2006/main">
+  <p:cSld>
+    <p:spTree>
+      <p:nvGrpSpPr>
+        <p:cNvPr id="1" name=""/>
+        <p:cNvGrpSpPr/>
+        <p:nvPr/>
+      </p:nvGrpSpPr>
+      <p:grpSpPr>
+        <a:xfrm>
+          <a:off x="0" y="0"/>
+          <a:ext cx="0" cy="0"/>
+          <a:chOff x="0" y="0"/>
+          <a:chExt cx="0" cy="0"/>
+        </a:xfrm>
+      </p:grpSpPr>
+      <p:sp>
+        <p:nvSpPr>
+          <p:cNvPr id="3" name="Content Placeholder 2"/>
+          <p:cNvSpPr>
+            <a:spLocks noGrp="1"/>
+          </p:cNvSpPr>
+          <p:nvPr>
+            <p:ph idx="1"/>
+          </p:nvPr>
+        </p:nvSpPr>
+        <p:spPr>
+          <a:xfrm>
+            <a:off x="502920" y="454152"/>
+            <a:ext cx="8183880" cy="5489448"/>
+          </a:xfrm>
+        </p:spPr>
+        <p:txBody>
+          <a:bodyPr>
+            <a:normAutofit fontScale="92500" lnSpcReduction="10000"/>
+          </a:bodyPr>
+          <a:lstStyle/>
+          <a:p>
+            <a:pPr>
+              <a:buNone/>
+            </a:pPr>
+            <a:r>
+              <a:rPr lang="en-US" sz="4300" dirty="0"/>
+              <a:t>Limitations and future enhancements:</a:t>
+            </a:r>
+          </a:p>
+          <a:p>
+            <a:r>
+              <a:rPr lang="en-US" sz="2600" dirty="0"/>
+              <a:t>few maps due to span of time</a:t>
+            </a:r>
+          </a:p>
+          <a:p>
+            <a:pPr lvl="1"/>
+            <a:r>
+              <a:rPr lang="en-US" sz="2600" dirty="0"/>
+              <a:t>Could be developed with many maps in the future.</a:t>
+            </a:r>
+          </a:p>
+          <a:p>
+            <a:r>
+              <a:rPr lang="en-US" sz="2600" dirty="0"/>
+              <a:t>The facility of saving the game is not possible</a:t>
+            </a:r>
+          </a:p>
+          <a:p>
+            <a:pPr lvl="1"/>
+            <a:r>
+              <a:rPr lang="en-US" sz="2600" dirty="0"/>
+              <a:t>Could save and retrieve in future</a:t>
+            </a:r>
+          </a:p>
+          <a:p>
+            <a:pPr lvl="0"/>
+            <a:r>
+              <a:rPr lang="en-US" sz="2600" dirty="0"/>
+              <a:t>The facility of challenging the other player can be added up in the future </a:t>
+            </a:r>
+          </a:p>
+          <a:p>
+            <a:pPr lvl="1"/>
+            <a:r>
+              <a:rPr lang="en-US" sz="2600" dirty="0"/>
+              <a:t>might attract more users and make this game more exciting.</a:t>
+            </a:r>
+          </a:p>
+          <a:p>
+            <a:r>
+              <a:rPr lang="en-US" sz="2600" dirty="0"/>
+              <a:t>Different mini games like cart racing, pong, </a:t>
+            </a:r>
+            <a:r>
+              <a:rPr lang="en-US" sz="2600" dirty="0" err="1"/>
+              <a:t>flappy</a:t>
+            </a:r>
+            <a:r>
+              <a:rPr lang="en-US" sz="2600" dirty="0"/>
+              <a:t> bird, etc can be added in between the game with each progressing</a:t>
+            </a:r>
+          </a:p>
+        </p:txBody>
+      </p:sp>
+    </p:spTree>
+  </p:cSld>
+  <p:clrMapOvr>
+    <a:masterClrMapping/>
+  </p:clrMapOvr>
+</p:sld>
+</file>
+
+<file path=ppt/slides/slide19.xml><?xml version="1.0" encoding="utf-8"?>
+<p:sld xmlns:a="http://schemas.openxmlformats.org/drawingml/2006/main" xmlns:r="http://schemas.openxmlformats.org/officeDocument/2006/relationships" xmlns:p="http://schemas.openxmlformats.org/presentationml/2006/main">
+  <p:cSld>
+    <p:spTree>
+      <p:nvGrpSpPr>
+        <p:cNvPr id="1" name=""/>
+        <p:cNvGrpSpPr/>
+        <p:nvPr/>
+      </p:nvGrpSpPr>
+      <p:grpSpPr>
+        <a:xfrm>
+          <a:off x="0" y="0"/>
+          <a:ext cx="0" cy="0"/>
+          <a:chOff x="0" y="0"/>
+          <a:chExt cx="0" cy="0"/>
+        </a:xfrm>
+      </p:grpSpPr>
+      <p:sp>
+        <p:nvSpPr>
+          <p:cNvPr id="3" name="Content Placeholder 2"/>
+          <p:cNvSpPr>
+            <a:spLocks noGrp="1"/>
+          </p:cNvSpPr>
+          <p:nvPr>
+            <p:ph idx="1"/>
+          </p:nvPr>
+        </p:nvSpPr>
+        <p:spPr>
+          <a:xfrm>
+            <a:off x="502920" y="530352"/>
+            <a:ext cx="8183880" cy="5337048"/>
+          </a:xfrm>
+        </p:spPr>
+        <p:txBody>
+          <a:bodyPr>
+            <a:normAutofit lnSpcReduction="10000"/>
+          </a:bodyPr>
+          <a:lstStyle/>
+          <a:p>
+            <a:pPr>
+              <a:buNone/>
+            </a:pPr>
+            <a:r>
+              <a:rPr lang="en-US" sz="4000" dirty="0"/>
+              <a:t>Conclusion and recommendations:</a:t>
+            </a:r>
+          </a:p>
+          <a:p>
+            <a:pPr>
+              <a:buNone/>
+            </a:pPr>
+            <a:endParaRPr lang="en-US" sz="3200" dirty="0"/>
+          </a:p>
+          <a:p>
+            <a:r>
+              <a:rPr lang="en-US" dirty="0"/>
+              <a:t>Implementation of the theoretical knowledge of OOP approach</a:t>
+            </a:r>
+          </a:p>
+          <a:p>
+            <a:r>
+              <a:rPr lang="en-US" dirty="0"/>
+              <a:t>Development of concept and skills on Project Management</a:t>
+            </a:r>
+          </a:p>
+          <a:p>
+            <a:r>
+              <a:rPr lang="en-US" dirty="0"/>
+              <a:t>Development of the program that can be implemented practically</a:t>
+            </a:r>
+          </a:p>
+          <a:p>
+            <a:r>
+              <a:rPr lang="en-US" dirty="0"/>
+              <a:t>Sense of professionalism and advantage of working together as a team</a:t>
+            </a:r>
+          </a:p>
+          <a:p>
+            <a:pPr>
+              <a:buNone/>
+            </a:pPr>
+            <a:endParaRPr lang="en-US" dirty="0"/>
+          </a:p>
+        </p:txBody>
+      </p:sp>
+    </p:spTree>
+  </p:cSld>
+  <p:clrMapOvr>
+    <a:masterClrMapping/>
+  </p:clrMapOvr>
 </p:sld>
 </file>
 
@@ -4718,7 +4936,7 @@
               <a:buNone/>
             </a:pPr>
             <a:r>
-              <a:rPr lang="en-US" sz="4800" dirty="0" smtClean="0">
+              <a:rPr lang="en-US" sz="4800" dirty="0">
                 <a:latin typeface="+mj-lt"/>
               </a:rPr>
               <a:t>Objective of the project:</a:t>
@@ -4728,13 +4946,13 @@
             <a:pPr>
               <a:buNone/>
             </a:pPr>
-            <a:endParaRPr lang="en-US" dirty="0" smtClean="0">
+            <a:endParaRPr lang="en-US" dirty="0">
               <a:latin typeface="+mj-lt"/>
             </a:endParaRPr>
           </a:p>
           <a:p>
             <a:r>
-              <a:rPr lang="en-US" sz="2400" dirty="0" smtClean="0">
+              <a:rPr lang="en-US" sz="2400" dirty="0">
                 <a:latin typeface="+mj-lt"/>
               </a:rPr>
               <a:t>To practice the Object Oriented Programming. approach using C++ Programming Language.</a:t>
@@ -4743,7 +4961,7 @@
           <a:p>
             <a:pPr lvl="0"/>
             <a:r>
-              <a:rPr lang="en-US" sz="2400" dirty="0" smtClean="0">
+              <a:rPr lang="en-US" sz="2400" dirty="0">
                 <a:latin typeface="+mj-lt"/>
               </a:rPr>
               <a:t>To gain GUI skills in programming using SFML toolkit. To be familiar with SFML for enhancing the graphics of the application coded in C++ language.</a:t>
@@ -4751,7 +4969,7 @@
           </a:p>
           <a:p>
             <a:r>
-              <a:rPr lang="en-US" sz="2400" dirty="0" smtClean="0">
+              <a:rPr lang="en-US" sz="2400" dirty="0">
                 <a:latin typeface="+mj-lt"/>
               </a:rPr>
               <a:t>To develop the user friendly interface and entertain the user.</a:t>
@@ -4759,7 +4977,7 @@
           </a:p>
           <a:p>
             <a:r>
-              <a:rPr lang="en-US" sz="2400" dirty="0" smtClean="0">
+              <a:rPr lang="en-US" sz="2400" dirty="0">
                 <a:latin typeface="+mj-lt"/>
               </a:rPr>
               <a:t>To learn to work in a group as team.</a:t>
@@ -4768,14 +4986,14 @@
           <a:p>
             <a:pPr lvl="0"/>
             <a:r>
-              <a:rPr lang="en-US" sz="2400" dirty="0" smtClean="0">
+              <a:rPr lang="en-US" sz="2400" dirty="0">
                 <a:latin typeface="+mj-lt"/>
               </a:rPr>
               <a:t>To make a base for the development of the larger and complex programs working in a team in the future.</a:t>
             </a:r>
           </a:p>
           <a:p>
-            <a:endParaRPr lang="en-US" dirty="0" smtClean="0"/>
+            <a:endParaRPr lang="en-US" dirty="0"/>
           </a:p>
           <a:p>
             <a:endParaRPr lang="en-US" dirty="0"/>
@@ -4794,6 +5012,76 @@
       </p:par>
     </p:tnLst>
   </p:timing>
+</p:sld>
+</file>
+
+<file path=ppt/slides/slide20.xml><?xml version="1.0" encoding="utf-8"?>
+<p:sld xmlns:a="http://schemas.openxmlformats.org/drawingml/2006/main" xmlns:r="http://schemas.openxmlformats.org/officeDocument/2006/relationships" xmlns:p="http://schemas.openxmlformats.org/presentationml/2006/main">
+  <p:cSld>
+    <p:spTree>
+      <p:nvGrpSpPr>
+        <p:cNvPr id="1" name=""/>
+        <p:cNvGrpSpPr/>
+        <p:nvPr/>
+      </p:nvGrpSpPr>
+      <p:grpSpPr>
+        <a:xfrm>
+          <a:off x="0" y="0"/>
+          <a:ext cx="0" cy="0"/>
+          <a:chOff x="0" y="0"/>
+          <a:chExt cx="0" cy="0"/>
+        </a:xfrm>
+      </p:grpSpPr>
+      <p:sp>
+        <p:nvSpPr>
+          <p:cNvPr id="2" name="Title 1">
+            <a:extLst>
+              <a:ext uri="{FF2B5EF4-FFF2-40B4-BE49-F238E27FC236}">
+                <a16:creationId xmlns:a16="http://schemas.microsoft.com/office/drawing/2014/main" id="{99B627AB-9325-40A6-AC67-BDBBAE4B4B36}"/>
+              </a:ext>
+            </a:extLst>
+          </p:cNvPr>
+          <p:cNvSpPr>
+            <a:spLocks noGrp="1"/>
+          </p:cNvSpPr>
+          <p:nvPr>
+            <p:ph type="title"/>
+          </p:nvPr>
+        </p:nvSpPr>
+        <p:spPr>
+          <a:xfrm>
+            <a:off x="2179320" y="2373512"/>
+            <a:ext cx="8183880" cy="1051560"/>
+          </a:xfrm>
+        </p:spPr>
+        <p:txBody>
+          <a:bodyPr>
+            <a:normAutofit/>
+          </a:bodyPr>
+          <a:lstStyle/>
+          <a:p>
+            <a:r>
+              <a:rPr lang="en-US" sz="5400" dirty="0">
+                <a:solidFill>
+                  <a:schemeClr val="tx1"/>
+                </a:solidFill>
+                <a:latin typeface="Bomberman" panose="00000400000000000000" pitchFamily="2" charset="0"/>
+              </a:rPr>
+              <a:t>Thank you!!!</a:t>
+            </a:r>
+          </a:p>
+        </p:txBody>
+      </p:sp>
+    </p:spTree>
+    <p:extLst>
+      <p:ext uri="{BB962C8B-B14F-4D97-AF65-F5344CB8AC3E}">
+        <p14:creationId xmlns:p14="http://schemas.microsoft.com/office/powerpoint/2010/main" val="891721062"/>
+      </p:ext>
+    </p:extLst>
+  </p:cSld>
+  <p:clrMapOvr>
+    <a:masterClrMapping/>
+  </p:clrMapOvr>
 </p:sld>
 </file>
 
@@ -4840,7 +5128,7 @@
               <a:buNone/>
             </a:pPr>
             <a:r>
-              <a:rPr lang="en-US" sz="4800" dirty="0" smtClean="0"/>
+              <a:rPr lang="en-US" sz="4800" dirty="0"/>
               <a:t>About:</a:t>
             </a:r>
           </a:p>
@@ -4848,29 +5136,29 @@
             <a:pPr>
               <a:buNone/>
             </a:pPr>
-            <a:endParaRPr lang="en-US" dirty="0" smtClean="0"/>
-          </a:p>
-          <a:p>
-            <a:r>
-              <a:rPr lang="en-US" dirty="0" smtClean="0"/>
+            <a:endParaRPr lang="en-US" dirty="0"/>
+          </a:p>
+          <a:p>
+            <a:r>
+              <a:rPr lang="en-US" dirty="0"/>
               <a:t>strategized maze-based game</a:t>
             </a:r>
           </a:p>
           <a:p>
             <a:r>
-              <a:rPr lang="en-US" dirty="0" smtClean="0"/>
+              <a:rPr lang="en-US" dirty="0"/>
               <a:t>originally developed for home computers in Japan and first game developed in 1983</a:t>
             </a:r>
           </a:p>
           <a:p>
             <a:r>
-              <a:rPr lang="en-US" dirty="0" smtClean="0"/>
+              <a:rPr lang="en-US" dirty="0"/>
               <a:t>can play single player as well as double player game</a:t>
             </a:r>
           </a:p>
           <a:p>
             <a:r>
-              <a:rPr lang="en-US" dirty="0" smtClean="0"/>
+              <a:rPr lang="en-US" dirty="0"/>
               <a:t>easy for playing and understanding the concept of the game</a:t>
             </a:r>
           </a:p>
@@ -4932,28 +5220,28 @@
               <a:buNone/>
             </a:pPr>
             <a:r>
-              <a:rPr lang="en-US" sz="4800" dirty="0" smtClean="0"/>
+              <a:rPr lang="en-US" sz="4800" dirty="0"/>
               <a:t>About:</a:t>
             </a:r>
           </a:p>
           <a:p>
-            <a:endParaRPr lang="en-US" dirty="0" smtClean="0"/>
-          </a:p>
-          <a:p>
-            <a:r>
-              <a:rPr lang="en-US" dirty="0" smtClean="0"/>
+            <a:endParaRPr lang="en-US" dirty="0"/>
+          </a:p>
+          <a:p>
+            <a:r>
+              <a:rPr lang="en-US" dirty="0"/>
               <a:t>select the mode of the game</a:t>
             </a:r>
           </a:p>
           <a:p>
             <a:r>
-              <a:rPr lang="en-US" dirty="0" smtClean="0"/>
+              <a:rPr lang="en-US" dirty="0"/>
               <a:t>in single player mode the user needs to kill the opponent and if touched by the opponent in the process gets killed himself</a:t>
             </a:r>
           </a:p>
           <a:p>
             <a:r>
-              <a:rPr lang="en-US" dirty="0" smtClean="0"/>
+              <a:rPr lang="en-US" dirty="0"/>
               <a:t>in double player mode, the two users try to kill each other and the one who survives wins.</a:t>
             </a:r>
           </a:p>
@@ -4961,7 +5249,7 @@
             <a:pPr>
               <a:buNone/>
             </a:pPr>
-            <a:endParaRPr lang="en-US" dirty="0" smtClean="0"/>
+            <a:endParaRPr lang="en-US" dirty="0"/>
           </a:p>
         </p:txBody>
       </p:sp>
@@ -5020,18 +5308,18 @@
             <a:pPr>
               <a:buNone/>
             </a:pPr>
-            <a:endParaRPr lang="en-US" dirty="0" smtClean="0"/>
+            <a:endParaRPr lang="en-US" dirty="0"/>
           </a:p>
           <a:p>
             <a:pPr>
               <a:buNone/>
             </a:pPr>
             <a:r>
-              <a:rPr lang="en-US" sz="3600" dirty="0" err="1" smtClean="0"/>
+              <a:rPr lang="en-US" sz="3600" dirty="0" err="1"/>
               <a:t>Bomberman</a:t>
             </a:r>
             <a:r>
-              <a:rPr lang="en-US" sz="3600" dirty="0" smtClean="0"/>
+              <a:rPr lang="en-US" sz="3600" dirty="0"/>
               <a:t> is built by using:</a:t>
             </a:r>
           </a:p>
@@ -5039,7 +5327,7 @@
             <a:pPr>
               <a:buNone/>
             </a:pPr>
-            <a:endParaRPr lang="en-US" dirty="0" smtClean="0"/>
+            <a:endParaRPr lang="en-US" dirty="0"/>
           </a:p>
           <a:p>
             <a:pPr>
@@ -5048,7 +5336,7 @@
               </a:tabLst>
             </a:pPr>
             <a:r>
-              <a:rPr lang="en-US" dirty="0" smtClean="0"/>
+              <a:rPr lang="en-US" dirty="0"/>
               <a:t>Compiler:	GCC compiler</a:t>
             </a:r>
           </a:p>
@@ -5058,7 +5346,7 @@
                 <a:tab pos="2286000" algn="l"/>
               </a:tabLst>
             </a:pPr>
-            <a:endParaRPr lang="en-US" dirty="0" smtClean="0"/>
+            <a:endParaRPr lang="en-US" dirty="0"/>
           </a:p>
           <a:p>
             <a:pPr>
@@ -5067,7 +5355,7 @@
               </a:tabLst>
             </a:pPr>
             <a:r>
-              <a:rPr lang="en-US" dirty="0" smtClean="0"/>
+              <a:rPr lang="en-US" dirty="0"/>
               <a:t>IDE: 	Code::Blocks</a:t>
             </a:r>
           </a:p>
@@ -5077,7 +5365,7 @@
                 <a:tab pos="2286000" algn="l"/>
               </a:tabLst>
             </a:pPr>
-            <a:endParaRPr lang="en-US" dirty="0" smtClean="0"/>
+            <a:endParaRPr lang="en-US" dirty="0"/>
           </a:p>
           <a:p>
             <a:pPr>
@@ -5086,7 +5374,7 @@
               </a:tabLst>
             </a:pPr>
             <a:r>
-              <a:rPr lang="en-US" dirty="0" smtClean="0"/>
+              <a:rPr lang="en-US" dirty="0"/>
               <a:t>GUI library:	SFML-2.40</a:t>
             </a:r>
           </a:p>
@@ -5153,57 +5441,57 @@
               <a:buNone/>
             </a:pPr>
             <a:r>
-              <a:rPr lang="en-US" sz="4800" dirty="0" err="1" smtClean="0"/>
+              <a:rPr lang="en-US" sz="4800" dirty="0" err="1"/>
               <a:t>Gameplay</a:t>
             </a:r>
             <a:r>
-              <a:rPr lang="en-US" sz="4800" dirty="0" smtClean="0"/>
+              <a:rPr lang="en-US" sz="4800" dirty="0"/>
               <a:t>:</a:t>
             </a:r>
           </a:p>
           <a:p>
-            <a:endParaRPr lang="en-US" dirty="0" smtClean="0"/>
-          </a:p>
-          <a:p>
-            <a:r>
-              <a:rPr lang="en-US" dirty="0" smtClean="0"/>
+            <a:endParaRPr lang="en-US" dirty="0"/>
+          </a:p>
+          <a:p>
+            <a:r>
+              <a:rPr lang="en-US" dirty="0"/>
               <a:t>unbreakable block are placed in fixed position and the wooden blocks in the random position of the map.</a:t>
             </a:r>
           </a:p>
           <a:p>
             <a:r>
-              <a:rPr lang="en-US" dirty="0" smtClean="0"/>
+              <a:rPr lang="en-US" dirty="0"/>
               <a:t>the players place the bombs in the process to remove the obstacles to reach to the opponent</a:t>
             </a:r>
           </a:p>
           <a:p>
             <a:r>
-              <a:rPr lang="en-US" dirty="0" smtClean="0"/>
+              <a:rPr lang="en-US" dirty="0"/>
               <a:t>the wooden block explodes with the bomb and clears the way for the players </a:t>
             </a:r>
           </a:p>
           <a:p>
             <a:r>
-              <a:rPr lang="en-US" dirty="0" smtClean="0"/>
+              <a:rPr lang="en-US" dirty="0"/>
               <a:t>some of these blocks contain </a:t>
             </a:r>
             <a:r>
-              <a:rPr lang="en-US" dirty="0" err="1" smtClean="0"/>
+              <a:rPr lang="en-US" dirty="0" err="1"/>
               <a:t>powerups</a:t>
             </a:r>
-            <a:endParaRPr lang="en-US" dirty="0" smtClean="0"/>
-          </a:p>
-          <a:p>
-            <a:r>
-              <a:rPr lang="en-US" dirty="0" smtClean="0"/>
+            <a:endParaRPr lang="en-US" dirty="0"/>
+          </a:p>
+          <a:p>
+            <a:r>
+              <a:rPr lang="en-US" dirty="0"/>
               <a:t>the players die if they are in the range of explosion</a:t>
             </a:r>
           </a:p>
           <a:p>
-            <a:endParaRPr lang="en-US" dirty="0" smtClean="0"/>
-          </a:p>
-          <a:p>
-            <a:endParaRPr lang="en-US" dirty="0" smtClean="0"/>
+            <a:endParaRPr lang="en-US" dirty="0"/>
+          </a:p>
+          <a:p>
+            <a:endParaRPr lang="en-US" dirty="0"/>
           </a:p>
         </p:txBody>
       </p:sp>
@@ -5239,86 +5527,40 @@
           <a:chExt cx="0" cy="0"/>
         </a:xfrm>
       </p:grpSpPr>
-      <p:sp>
-        <p:nvSpPr>
-          <p:cNvPr id="3" name="Content Placeholder 2"/>
-          <p:cNvSpPr>
-            <a:spLocks noGrp="1"/>
-          </p:cNvSpPr>
+      <p:pic>
+        <p:nvPicPr>
+          <p:cNvPr id="4" name="Content Placeholder 3"/>
+          <p:cNvPicPr>
+            <a:picLocks noGrp="1"/>
+          </p:cNvPicPr>
           <p:nvPr>
             <p:ph idx="1"/>
           </p:nvPr>
-        </p:nvSpPr>
-        <p:spPr>
+        </p:nvPicPr>
+        <p:blipFill>
+          <a:blip r:embed="rId2"/>
+          <a:srcRect/>
+          <a:stretch>
+            <a:fillRect/>
+          </a:stretch>
+        </p:blipFill>
+        <p:spPr bwMode="auto">
           <a:xfrm>
-            <a:off x="502920" y="530352"/>
-            <a:ext cx="8183880" cy="5260848"/>
+            <a:off x="457200" y="457200"/>
+            <a:ext cx="8229600" cy="5450159"/>
           </a:xfrm>
+          <a:prstGeom prst="rect">
+            <a:avLst/>
+          </a:prstGeom>
+          <a:noFill/>
+          <a:ln w="9525">
+            <a:noFill/>
+            <a:miter lim="800000"/>
+            <a:headEnd/>
+            <a:tailEnd/>
+          </a:ln>
         </p:spPr>
-        <p:txBody>
-          <a:bodyPr>
-            <a:normAutofit/>
-          </a:bodyPr>
-          <a:lstStyle/>
-          <a:p>
-            <a:pPr>
-              <a:buNone/>
-            </a:pPr>
-            <a:r>
-              <a:rPr lang="en-US" sz="4800" dirty="0" err="1" smtClean="0"/>
-              <a:t>Powerups</a:t>
-            </a:r>
-            <a:r>
-              <a:rPr lang="en-US" sz="4800" dirty="0" smtClean="0"/>
-              <a:t>:</a:t>
-            </a:r>
-          </a:p>
-          <a:p>
-            <a:pPr>
-              <a:buNone/>
-            </a:pPr>
-            <a:endParaRPr lang="en-US" sz="4800" dirty="0" smtClean="0"/>
-          </a:p>
-          <a:p>
-            <a:pPr marL="514350" indent="-514350"/>
-            <a:r>
-              <a:rPr lang="en-US" dirty="0" err="1" smtClean="0"/>
-              <a:t>Bombup:increases</a:t>
-            </a:r>
-            <a:r>
-              <a:rPr lang="en-US" dirty="0" smtClean="0"/>
-              <a:t> the player’s number of bomb by 1</a:t>
-            </a:r>
-          </a:p>
-          <a:p>
-            <a:pPr marL="514350" indent="-514350"/>
-            <a:r>
-              <a:rPr lang="en-US" dirty="0" err="1" smtClean="0"/>
-              <a:t>Fireup</a:t>
-            </a:r>
-            <a:r>
-              <a:rPr lang="en-US" dirty="0" smtClean="0"/>
-              <a:t>: increases the max blast radius of the bomb by 1</a:t>
-            </a:r>
-          </a:p>
-          <a:p>
-            <a:pPr marL="514350" indent="-514350"/>
-            <a:r>
-              <a:rPr lang="en-US" dirty="0" smtClean="0"/>
-              <a:t>Skate </a:t>
-            </a:r>
-            <a:r>
-              <a:rPr lang="en-US" dirty="0" err="1" smtClean="0"/>
-              <a:t>powerup:increases</a:t>
-            </a:r>
-            <a:r>
-              <a:rPr lang="en-US" dirty="0" smtClean="0"/>
-              <a:t> the player’s speed</a:t>
-            </a:r>
-            <a:endParaRPr lang="en-US" dirty="0"/>
-          </a:p>
-        </p:txBody>
-      </p:sp>
+      </p:pic>
     </p:spTree>
   </p:cSld>
   <p:clrMapOvr>
@@ -5363,15 +5605,15 @@
         </p:nvPicPr>
         <p:blipFill>
           <a:blip r:embed="rId2"/>
-          <a:srcRect/>
+          <a:srcRect t="1128"/>
           <a:stretch>
             <a:fillRect/>
           </a:stretch>
         </p:blipFill>
         <p:spPr bwMode="auto">
           <a:xfrm>
-            <a:off x="1524000" y="457200"/>
-            <a:ext cx="6477000" cy="5450159"/>
+            <a:off x="457200" y="377825"/>
+            <a:ext cx="8229600" cy="5413375"/>
           </a:xfrm>
           <a:prstGeom prst="rect">
             <a:avLst/>
@@ -5390,6 +5632,13 @@
   <p:clrMapOvr>
     <a:masterClrMapping/>
   </p:clrMapOvr>
+  <p:timing>
+    <p:tnLst>
+      <p:par>
+        <p:cTn id="1" dur="indefinite" restart="never" nodeType="tmRoot"/>
+      </p:par>
+    </p:tnLst>
+  </p:timing>
 </p:sld>
 </file>
 
@@ -5422,15 +5671,15 @@
         </p:nvPicPr>
         <p:blipFill>
           <a:blip r:embed="rId2"/>
-          <a:srcRect t="1128"/>
+          <a:srcRect/>
           <a:stretch>
             <a:fillRect/>
           </a:stretch>
         </p:blipFill>
         <p:spPr bwMode="auto">
           <a:xfrm>
-            <a:off x="1905000" y="381000"/>
-            <a:ext cx="5629899" cy="5413375"/>
+            <a:off x="457200" y="454024"/>
+            <a:ext cx="8229600" cy="5489576"/>
           </a:xfrm>
           <a:prstGeom prst="rect">
             <a:avLst/>
@@ -5449,6 +5698,13 @@
   <p:clrMapOvr>
     <a:masterClrMapping/>
   </p:clrMapOvr>
+  <p:timing>
+    <p:tnLst>
+      <p:par>
+        <p:cTn id="1" dur="indefinite" restart="never" nodeType="tmRoot"/>
+      </p:par>
+    </p:tnLst>
+  </p:timing>
 </p:sld>
 </file>
 
